--- a/static/stock/presentations/Heart Attack.pptx
+++ b/static/stock/presentations/Heart Attack.pptx
@@ -2,7 +2,7 @@
 <file path=ppt/presentation.xml><?xml version="1.0" encoding="utf-8"?>
 <p:presentation xmlns:a="http://schemas.openxmlformats.org/drawingml/2006/main" xmlns:r="http://schemas.openxmlformats.org/officeDocument/2006/relationships" xmlns:p="http://schemas.openxmlformats.org/presentationml/2006/main" saveSubsetFonts="1">
   <p:sldMasterIdLst>
-    <p:sldMasterId id="2147483672" r:id="rId1"/>
+    <p:sldMasterId id="2147483708" r:id="rId1"/>
   </p:sldMasterIdLst>
   <p:sldIdLst>
     <p:sldId id="256" r:id="rId2"/>
@@ -11,8 +11,6 @@
     <p:sldId id="259" r:id="rId9"/>
     <p:sldId id="260" r:id="rId10"/>
     <p:sldId id="261" r:id="rId11"/>
-    <p:sldId id="262" r:id="rId12"/>
-    <p:sldId id="263" r:id="rId13"/>
   </p:sldIdLst>
   <p:sldSz cx="12192000" cy="6858000"/>
   <p:notesSz cx="6858000" cy="9144000"/>
@@ -148,15 +146,17 @@
         </p:nvSpPr>
         <p:spPr>
           <a:xfrm>
-            <a:off x="1154955" y="1447800"/>
-            <a:ext cx="8825658" cy="3329581"/>
+            <a:off x="1370693" y="1769540"/>
+            <a:ext cx="9440034" cy="1828801"/>
           </a:xfrm>
         </p:spPr>
         <p:txBody>
-          <a:bodyPr anchor="b"/>
+          <a:bodyPr anchor="b">
+            <a:normAutofit/>
+          </a:bodyPr>
           <a:lstStyle>
-            <a:lvl1pPr>
-              <a:defRPr sz="7200"/>
+            <a:lvl1pPr algn="ctr">
+              <a:defRPr sz="5400"/>
             </a:lvl1pPr>
           </a:lstStyle>
           <a:p>
@@ -180,21 +180,18 @@
         </p:nvSpPr>
         <p:spPr>
           <a:xfrm>
-            <a:off x="1154955" y="4777380"/>
-            <a:ext cx="8825658" cy="861420"/>
+            <a:off x="1370693" y="3598339"/>
+            <a:ext cx="9440034" cy="1049867"/>
           </a:xfrm>
         </p:spPr>
         <p:txBody>
           <a:bodyPr anchor="t"/>
           <a:lstStyle>
-            <a:lvl1pPr marL="0" indent="0" algn="l">
-              <a:buNone/>
-              <a:defRPr cap="all">
-                <a:solidFill>
-                  <a:schemeClr val="bg2">
-                    <a:lumMod val="40000"/>
-                    <a:lumOff val="60000"/>
-                  </a:schemeClr>
+            <a:lvl1pPr marL="0" indent="0" algn="ctr">
+              <a:buNone/>
+              <a:defRPr>
+                <a:solidFill>
+                  <a:schemeClr val="tx1"/>
                 </a:solidFill>
               </a:defRPr>
             </a:lvl1pPr>
@@ -305,7 +302,7 @@
           <a:p>
             <a:fld id="{8405FD1F-A033-42C1-8902-92D91DAC3712}" type="datetimeFigureOut">
               <a:rPr lang="en-US" smtClean="0"/>
-              <a:t>5/25/2024</a:t>
+              <a:t>5/26/2024</a:t>
             </a:fld>
             <a:endParaRPr lang="en-US"/>
           </a:p>
@@ -356,7 +353,7 @@
     </p:spTree>
     <p:extLst>
       <p:ext uri="{BB962C8B-B14F-4D97-AF65-F5344CB8AC3E}">
-        <p14:creationId xmlns:p14="http://schemas.microsoft.com/office/powerpoint/2010/main" val="3449418711"/>
+        <p14:creationId xmlns:p14="http://schemas.microsoft.com/office/powerpoint/2010/main" val="3506691732"/>
       </p:ext>
     </p:extLst>
   </p:cSld>
@@ -383,20 +380,50 @@
           <a:chExt cx="0" cy="0"/>
         </a:xfrm>
       </p:grpSpPr>
-      <p:sp>
-        <p:nvSpPr>
-          <p:cNvPr id="2" name="Title 1"/>
-          <p:cNvSpPr>
-            <a:spLocks noGrp="1"/>
-          </p:cNvSpPr>
-          <p:nvPr>
-            <p:ph type="title"/>
-          </p:nvPr>
-        </p:nvSpPr>
+      <p:pic>
+        <p:nvPicPr>
+          <p:cNvPr id="16" name="Picture 15" descr="Slate-V2-HD-panoPhotoInset.png"/>
+          <p:cNvPicPr>
+            <a:picLocks noChangeAspect="1"/>
+          </p:cNvPicPr>
+          <p:nvPr/>
+        </p:nvPicPr>
+        <p:blipFill>
+          <a:blip r:embed="rId2">
+            <a:extLst>
+              <a:ext uri="{28A0092B-C50C-407E-A947-70E740481C1C}">
+                <a14:useLocalDpi xmlns:a14="http://schemas.microsoft.com/office/drawing/2010/main" val="0"/>
+              </a:ext>
+            </a:extLst>
+          </a:blip>
+          <a:stretch>
+            <a:fillRect/>
+          </a:stretch>
+        </p:blipFill>
         <p:spPr>
           <a:xfrm>
-            <a:off x="1154956" y="4800587"/>
-            <a:ext cx="8825657" cy="566738"/>
+            <a:off x="1013883" y="547807"/>
+            <a:ext cx="10141799" cy="3816806"/>
+          </a:xfrm>
+          <a:prstGeom prst="rect">
+            <a:avLst/>
+          </a:prstGeom>
+        </p:spPr>
+      </p:pic>
+      <p:sp>
+        <p:nvSpPr>
+          <p:cNvPr id="2" name="Title 1"/>
+          <p:cNvSpPr>
+            <a:spLocks noGrp="1"/>
+          </p:cNvSpPr>
+          <p:nvPr>
+            <p:ph type="title"/>
+          </p:nvPr>
+        </p:nvSpPr>
+        <p:spPr>
+          <a:xfrm>
+            <a:off x="913806" y="4565255"/>
+            <a:ext cx="10355326" cy="543472"/>
           </a:xfrm>
         </p:spPr>
         <p:txBody>
@@ -404,8 +431,8 @@
             <a:normAutofit/>
           </a:bodyPr>
           <a:lstStyle>
-            <a:lvl1pPr algn="l">
-              <a:defRPr sz="2400" b="0"/>
+            <a:lvl1pPr algn="ctr">
+              <a:defRPr sz="2800"/>
             </a:lvl1pPr>
           </a:lstStyle>
           <a:p>
@@ -429,18 +456,13 @@
         </p:nvSpPr>
         <p:spPr>
           <a:xfrm>
-            <a:off x="1154955" y="685800"/>
-            <a:ext cx="8825658" cy="3640666"/>
+            <a:off x="1169349" y="695009"/>
+            <a:ext cx="9845346" cy="3525671"/>
           </a:xfrm>
-          <a:prstGeom prst="roundRect">
-            <a:avLst>
-              <a:gd name="adj" fmla="val 1858"/>
-            </a:avLst>
-          </a:prstGeom>
           <a:effectLst>
-            <a:outerShdw blurRad="50800" dist="50800" dir="5400000" algn="tl" rotWithShape="0">
+            <a:outerShdw blurRad="38100" dist="25400" dir="4440000">
               <a:srgbClr val="000000">
-                <a:alpha val="43000"/>
+                <a:alpha val="36000"/>
               </a:srgbClr>
             </a:outerShdw>
           </a:effectLst>
@@ -452,109 +474,107 @@
           <a:lstStyle>
             <a:lvl1pPr marL="0" indent="0" algn="ctr">
               <a:buNone/>
+              <a:defRPr sz="2000"/>
+            </a:lvl1pPr>
+            <a:lvl2pPr marL="457200" indent="0">
+              <a:buNone/>
+              <a:defRPr sz="2000"/>
+            </a:lvl2pPr>
+            <a:lvl3pPr marL="914400" indent="0">
+              <a:buNone/>
+              <a:defRPr sz="2000"/>
+            </a:lvl3pPr>
+            <a:lvl4pPr marL="1371600" indent="0">
+              <a:buNone/>
+              <a:defRPr sz="2000"/>
+            </a:lvl4pPr>
+            <a:lvl5pPr marL="1828800" indent="0">
+              <a:buNone/>
+              <a:defRPr sz="2000"/>
+            </a:lvl5pPr>
+            <a:lvl6pPr marL="2286000" indent="0">
+              <a:buNone/>
+              <a:defRPr sz="2000"/>
+            </a:lvl6pPr>
+            <a:lvl7pPr marL="2743200" indent="0">
+              <a:buNone/>
+              <a:defRPr sz="2000"/>
+            </a:lvl7pPr>
+            <a:lvl8pPr marL="3200400" indent="0">
+              <a:buNone/>
+              <a:defRPr sz="2000"/>
+            </a:lvl8pPr>
+            <a:lvl9pPr marL="3657600" indent="0">
+              <a:buNone/>
+              <a:defRPr sz="2000"/>
+            </a:lvl9pPr>
+          </a:lstStyle>
+          <a:p>
+            <a:r>
+              <a:rPr lang="en-US" smtClean="0"/>
+              <a:t>Click icon to add picture</a:t>
+            </a:r>
+            <a:endParaRPr lang="en-US" dirty="0"/>
+          </a:p>
+        </p:txBody>
+      </p:sp>
+      <p:sp>
+        <p:nvSpPr>
+          <p:cNvPr id="4" name="Text Placeholder 3"/>
+          <p:cNvSpPr>
+            <a:spLocks noGrp="1"/>
+          </p:cNvSpPr>
+          <p:nvPr>
+            <p:ph type="body" sz="half" idx="2"/>
+          </p:nvPr>
+        </p:nvSpPr>
+        <p:spPr>
+          <a:xfrm>
+            <a:off x="913795" y="5108728"/>
+            <a:ext cx="10353762" cy="682472"/>
+          </a:xfrm>
+        </p:spPr>
+        <p:txBody>
+          <a:bodyPr anchor="t"/>
+          <a:lstStyle>
+            <a:lvl1pPr marL="0" indent="0" algn="ctr">
+              <a:buNone/>
               <a:defRPr sz="1600"/>
             </a:lvl1pPr>
             <a:lvl2pPr marL="457200" indent="0">
               <a:buNone/>
-              <a:defRPr sz="1600"/>
+              <a:defRPr sz="1400"/>
             </a:lvl2pPr>
             <a:lvl3pPr marL="914400" indent="0">
               <a:buNone/>
-              <a:defRPr sz="1600"/>
+              <a:defRPr sz="1200"/>
             </a:lvl3pPr>
             <a:lvl4pPr marL="1371600" indent="0">
               <a:buNone/>
-              <a:defRPr sz="1600"/>
+              <a:defRPr sz="1000"/>
             </a:lvl4pPr>
             <a:lvl5pPr marL="1828800" indent="0">
               <a:buNone/>
-              <a:defRPr sz="1600"/>
+              <a:defRPr sz="1000"/>
             </a:lvl5pPr>
             <a:lvl6pPr marL="2286000" indent="0">
               <a:buNone/>
-              <a:defRPr sz="1600"/>
+              <a:defRPr sz="1000"/>
             </a:lvl6pPr>
             <a:lvl7pPr marL="2743200" indent="0">
               <a:buNone/>
-              <a:defRPr sz="1600"/>
+              <a:defRPr sz="1000"/>
             </a:lvl7pPr>
             <a:lvl8pPr marL="3200400" indent="0">
               <a:buNone/>
-              <a:defRPr sz="1600"/>
+              <a:defRPr sz="1000"/>
             </a:lvl8pPr>
             <a:lvl9pPr marL="3657600" indent="0">
               <a:buNone/>
-              <a:defRPr sz="1600"/>
+              <a:defRPr sz="1000"/>
             </a:lvl9pPr>
           </a:lstStyle>
           <a:p>
-            <a:r>
-              <a:rPr lang="en-US" smtClean="0"/>
-              <a:t>Click icon to add picture</a:t>
-            </a:r>
-            <a:endParaRPr lang="en-US" dirty="0"/>
-          </a:p>
-        </p:txBody>
-      </p:sp>
-      <p:sp>
-        <p:nvSpPr>
-          <p:cNvPr id="4" name="Text Placeholder 3"/>
-          <p:cNvSpPr>
-            <a:spLocks noGrp="1"/>
-          </p:cNvSpPr>
-          <p:nvPr>
-            <p:ph type="body" sz="half" idx="2"/>
-          </p:nvPr>
-        </p:nvSpPr>
-        <p:spPr>
-          <a:xfrm>
-            <a:off x="1154956" y="5367325"/>
-            <a:ext cx="8825656" cy="493712"/>
-          </a:xfrm>
-        </p:spPr>
-        <p:txBody>
-          <a:bodyPr>
-            <a:normAutofit/>
-          </a:bodyPr>
-          <a:lstStyle>
-            <a:lvl1pPr marL="0" indent="0">
-              <a:buNone/>
-              <a:defRPr sz="1200"/>
-            </a:lvl1pPr>
-            <a:lvl2pPr marL="457200" indent="0">
-              <a:buNone/>
-              <a:defRPr sz="1200"/>
-            </a:lvl2pPr>
-            <a:lvl3pPr marL="914400" indent="0">
-              <a:buNone/>
-              <a:defRPr sz="1000"/>
-            </a:lvl3pPr>
-            <a:lvl4pPr marL="1371600" indent="0">
-              <a:buNone/>
-              <a:defRPr sz="900"/>
-            </a:lvl4pPr>
-            <a:lvl5pPr marL="1828800" indent="0">
-              <a:buNone/>
-              <a:defRPr sz="900"/>
-            </a:lvl5pPr>
-            <a:lvl6pPr marL="2286000" indent="0">
-              <a:buNone/>
-              <a:defRPr sz="900"/>
-            </a:lvl6pPr>
-            <a:lvl7pPr marL="2743200" indent="0">
-              <a:buNone/>
-              <a:defRPr sz="900"/>
-            </a:lvl7pPr>
-            <a:lvl8pPr marL="3200400" indent="0">
-              <a:buNone/>
-              <a:defRPr sz="900"/>
-            </a:lvl8pPr>
-            <a:lvl9pPr marL="3657600" indent="0">
-              <a:buNone/>
-              <a:defRPr sz="900"/>
-            </a:lvl9pPr>
-          </a:lstStyle>
-          <a:p>
             <a:pPr lvl="0"/>
             <a:r>
               <a:rPr lang="en-US" smtClean="0"/>
@@ -580,7 +600,7 @@
           <a:p>
             <a:fld id="{8405FD1F-A033-42C1-8902-92D91DAC3712}" type="datetimeFigureOut">
               <a:rPr lang="en-US" smtClean="0"/>
-              <a:t>5/25/2024</a:t>
+              <a:t>5/26/2024</a:t>
             </a:fld>
             <a:endParaRPr lang="en-US"/>
           </a:p>
@@ -631,7 +651,7 @@
     </p:spTree>
     <p:extLst>
       <p:ext uri="{BB962C8B-B14F-4D97-AF65-F5344CB8AC3E}">
-        <p14:creationId xmlns:p14="http://schemas.microsoft.com/office/powerpoint/2010/main" val="435808614"/>
+        <p14:creationId xmlns:p14="http://schemas.microsoft.com/office/powerpoint/2010/main" val="3275554519"/>
       </p:ext>
     </p:extLst>
   </p:cSld>
@@ -670,15 +690,15 @@
         </p:nvSpPr>
         <p:spPr>
           <a:xfrm>
-            <a:off x="1154954" y="1447800"/>
-            <a:ext cx="8825659" cy="1981200"/>
+            <a:off x="913795" y="608437"/>
+            <a:ext cx="10353762" cy="3534344"/>
           </a:xfrm>
         </p:spPr>
         <p:txBody>
-          <a:bodyPr/>
+          <a:bodyPr anchor="ctr"/>
           <a:lstStyle>
             <a:lvl1pPr>
-              <a:defRPr sz="4800"/>
+              <a:defRPr sz="3200"/>
             </a:lvl1pPr>
           </a:lstStyle>
           <a:p>
@@ -692,7 +712,7 @@
       </p:sp>
       <p:sp>
         <p:nvSpPr>
-          <p:cNvPr id="8" name="Text Placeholder 3"/>
+          <p:cNvPr id="4" name="Text Placeholder 3"/>
           <p:cNvSpPr>
             <a:spLocks noGrp="1"/>
           </p:cNvSpPr>
@@ -702,50 +722,48 @@
         </p:nvSpPr>
         <p:spPr>
           <a:xfrm>
-            <a:off x="1154954" y="3657600"/>
-            <a:ext cx="8825659" cy="2362200"/>
+            <a:off x="913794" y="4295180"/>
+            <a:ext cx="10353763" cy="1501826"/>
           </a:xfrm>
         </p:spPr>
         <p:txBody>
-          <a:bodyPr anchor="ctr">
-            <a:normAutofit/>
-          </a:bodyPr>
+          <a:bodyPr anchor="ctr"/>
           <a:lstStyle>
-            <a:lvl1pPr marL="0" indent="0">
-              <a:buNone/>
-              <a:defRPr sz="1800"/>
+            <a:lvl1pPr marL="0" indent="0" algn="ctr">
+              <a:buNone/>
+              <a:defRPr sz="1600"/>
             </a:lvl1pPr>
             <a:lvl2pPr marL="457200" indent="0">
               <a:buNone/>
-              <a:defRPr sz="1200"/>
+              <a:defRPr sz="1400"/>
             </a:lvl2pPr>
             <a:lvl3pPr marL="914400" indent="0">
               <a:buNone/>
-              <a:defRPr sz="1000"/>
+              <a:defRPr sz="1200"/>
             </a:lvl3pPr>
             <a:lvl4pPr marL="1371600" indent="0">
               <a:buNone/>
-              <a:defRPr sz="900"/>
+              <a:defRPr sz="1000"/>
             </a:lvl4pPr>
             <a:lvl5pPr marL="1828800" indent="0">
               <a:buNone/>
-              <a:defRPr sz="900"/>
+              <a:defRPr sz="1000"/>
             </a:lvl5pPr>
             <a:lvl6pPr marL="2286000" indent="0">
               <a:buNone/>
-              <a:defRPr sz="900"/>
+              <a:defRPr sz="1000"/>
             </a:lvl6pPr>
             <a:lvl7pPr marL="2743200" indent="0">
               <a:buNone/>
-              <a:defRPr sz="900"/>
+              <a:defRPr sz="1000"/>
             </a:lvl7pPr>
             <a:lvl8pPr marL="3200400" indent="0">
               <a:buNone/>
-              <a:defRPr sz="900"/>
+              <a:defRPr sz="1000"/>
             </a:lvl8pPr>
             <a:lvl9pPr marL="3657600" indent="0">
               <a:buNone/>
-              <a:defRPr sz="900"/>
+              <a:defRPr sz="1000"/>
             </a:lvl9pPr>
           </a:lstStyle>
           <a:p>
@@ -759,7 +777,7 @@
       </p:sp>
       <p:sp>
         <p:nvSpPr>
-          <p:cNvPr id="4" name="Date Placeholder 3"/>
+          <p:cNvPr id="5" name="Date Placeholder 4"/>
           <p:cNvSpPr>
             <a:spLocks noGrp="1"/>
           </p:cNvSpPr>
@@ -774,7 +792,7 @@
           <a:p>
             <a:fld id="{8405FD1F-A033-42C1-8902-92D91DAC3712}" type="datetimeFigureOut">
               <a:rPr lang="en-US" smtClean="0"/>
-              <a:t>5/25/2024</a:t>
+              <a:t>5/26/2024</a:t>
             </a:fld>
             <a:endParaRPr lang="en-US"/>
           </a:p>
@@ -782,7 +800,7 @@
       </p:sp>
       <p:sp>
         <p:nvSpPr>
-          <p:cNvPr id="5" name="Footer Placeholder 4"/>
+          <p:cNvPr id="6" name="Footer Placeholder 5"/>
           <p:cNvSpPr>
             <a:spLocks noGrp="1"/>
           </p:cNvSpPr>
@@ -801,7 +819,7 @@
       </p:sp>
       <p:sp>
         <p:nvSpPr>
-          <p:cNvPr id="6" name="Slide Number Placeholder 5"/>
+          <p:cNvPr id="7" name="Slide Number Placeholder 6"/>
           <p:cNvSpPr>
             <a:spLocks noGrp="1"/>
           </p:cNvSpPr>
@@ -825,7 +843,7 @@
     </p:spTree>
     <p:extLst>
       <p:ext uri="{BB962C8B-B14F-4D97-AF65-F5344CB8AC3E}">
-        <p14:creationId xmlns:p14="http://schemas.microsoft.com/office/powerpoint/2010/main" val="1880045636"/>
+        <p14:creationId xmlns:p14="http://schemas.microsoft.com/office/powerpoint/2010/main" val="772765262"/>
       </p:ext>
     </p:extLst>
   </p:cSld>
@@ -864,15 +882,15 @@
         </p:nvSpPr>
         <p:spPr>
           <a:xfrm>
-            <a:off x="1574801" y="1447800"/>
-            <a:ext cx="7999315" cy="2323374"/>
+            <a:off x="1446212" y="609600"/>
+            <a:ext cx="9302752" cy="2992904"/>
           </a:xfrm>
         </p:spPr>
         <p:txBody>
-          <a:bodyPr/>
+          <a:bodyPr anchor="ctr"/>
           <a:lstStyle>
             <a:lvl1pPr>
-              <a:defRPr sz="4800"/>
+              <a:defRPr sz="3200"/>
             </a:lvl1pPr>
           </a:lstStyle>
           <a:p>
@@ -886,76 +904,64 @@
       </p:sp>
       <p:sp>
         <p:nvSpPr>
-          <p:cNvPr id="11" name="Text Placeholder 3"/>
-          <p:cNvSpPr>
-            <a:spLocks noGrp="1"/>
-          </p:cNvSpPr>
-          <p:nvPr>
-            <p:ph type="body" sz="half" idx="14"/>
+          <p:cNvPr id="12" name="Text Placeholder 3"/>
+          <p:cNvSpPr>
+            <a:spLocks noGrp="1"/>
+          </p:cNvSpPr>
+          <p:nvPr>
+            <p:ph type="body" sz="half" idx="13"/>
           </p:nvPr>
         </p:nvSpPr>
         <p:spPr>
           <a:xfrm>
-            <a:off x="1930400" y="3771174"/>
-            <a:ext cx="7279649" cy="342174"/>
+            <a:off x="1720644" y="3610032"/>
+            <a:ext cx="8752299" cy="532749"/>
           </a:xfrm>
         </p:spPr>
         <p:txBody>
-          <a:bodyPr vert="horz" lIns="91440" tIns="45720" rIns="91440" bIns="45720" rtlCol="0" anchor="t">
+          <a:bodyPr anchor="t">
             <a:normAutofit/>
           </a:bodyPr>
           <a:lstStyle>
-            <a:lvl1pPr marL="0" indent="0">
-              <a:buNone/>
-              <a:defRPr lang="en-US" sz="1400" b="0" i="0" kern="1200" cap="small" dirty="0">
-                <a:solidFill>
-                  <a:schemeClr val="bg2">
-                    <a:lumMod val="40000"/>
-                    <a:lumOff val="60000"/>
-                  </a:schemeClr>
-                </a:solidFill>
-                <a:latin typeface="+mj-lt"/>
-                <a:ea typeface="+mj-ea"/>
-                <a:cs typeface="+mj-cs"/>
-              </a:defRPr>
+            <a:lvl1pPr marL="0" indent="0" algn="r">
+              <a:buNone/>
+              <a:defRPr sz="1400"/>
             </a:lvl1pPr>
             <a:lvl2pPr marL="457200" indent="0">
               <a:buNone/>
-              <a:defRPr sz="1200"/>
+              <a:defRPr sz="1400"/>
             </a:lvl2pPr>
             <a:lvl3pPr marL="914400" indent="0">
               <a:buNone/>
-              <a:defRPr sz="1000"/>
+              <a:defRPr sz="1200"/>
             </a:lvl3pPr>
             <a:lvl4pPr marL="1371600" indent="0">
               <a:buNone/>
-              <a:defRPr sz="900"/>
+              <a:defRPr sz="1000"/>
             </a:lvl4pPr>
             <a:lvl5pPr marL="1828800" indent="0">
               <a:buNone/>
-              <a:defRPr sz="900"/>
+              <a:defRPr sz="1000"/>
             </a:lvl5pPr>
             <a:lvl6pPr marL="2286000" indent="0">
               <a:buNone/>
-              <a:defRPr sz="900"/>
+              <a:defRPr sz="1000"/>
             </a:lvl6pPr>
             <a:lvl7pPr marL="2743200" indent="0">
               <a:buNone/>
-              <a:defRPr sz="900"/>
+              <a:defRPr sz="1000"/>
             </a:lvl7pPr>
             <a:lvl8pPr marL="3200400" indent="0">
               <a:buNone/>
-              <a:defRPr sz="900"/>
+              <a:defRPr sz="1000"/>
             </a:lvl8pPr>
             <a:lvl9pPr marL="3657600" indent="0">
               <a:buNone/>
-              <a:defRPr sz="900"/>
+              <a:defRPr sz="1000"/>
             </a:lvl9pPr>
           </a:lstStyle>
           <a:p>
-            <a:pPr marL="0" lvl="0" indent="0">
-              <a:buNone/>
-            </a:pPr>
+            <a:pPr lvl="0"/>
             <a:r>
               <a:rPr lang="en-US" smtClean="0"/>
               <a:t>Click to edit Master text styles</a:t>
@@ -965,7 +971,7 @@
       </p:sp>
       <p:sp>
         <p:nvSpPr>
-          <p:cNvPr id="10" name="Text Placeholder 3"/>
+          <p:cNvPr id="4" name="Text Placeholder 3"/>
           <p:cNvSpPr>
             <a:spLocks noGrp="1"/>
           </p:cNvSpPr>
@@ -975,8 +981,8 @@
         </p:nvSpPr>
         <p:spPr>
           <a:xfrm>
-            <a:off x="1154954" y="4350657"/>
-            <a:ext cx="8825659" cy="1676400"/>
+            <a:off x="913794" y="4304353"/>
+            <a:ext cx="10353763" cy="1489496"/>
           </a:xfrm>
         </p:spPr>
         <p:txBody>
@@ -984,41 +990,41 @@
             <a:normAutofit/>
           </a:bodyPr>
           <a:lstStyle>
-            <a:lvl1pPr marL="0" indent="0">
-              <a:buNone/>
-              <a:defRPr sz="1800"/>
+            <a:lvl1pPr marL="0" indent="0" algn="ctr">
+              <a:buNone/>
+              <a:defRPr sz="1600"/>
             </a:lvl1pPr>
             <a:lvl2pPr marL="457200" indent="0">
               <a:buNone/>
-              <a:defRPr sz="1200"/>
+              <a:defRPr sz="1400"/>
             </a:lvl2pPr>
             <a:lvl3pPr marL="914400" indent="0">
               <a:buNone/>
-              <a:defRPr sz="1000"/>
+              <a:defRPr sz="1200"/>
             </a:lvl3pPr>
             <a:lvl4pPr marL="1371600" indent="0">
               <a:buNone/>
-              <a:defRPr sz="900"/>
+              <a:defRPr sz="1000"/>
             </a:lvl4pPr>
             <a:lvl5pPr marL="1828800" indent="0">
               <a:buNone/>
-              <a:defRPr sz="900"/>
+              <a:defRPr sz="1000"/>
             </a:lvl5pPr>
             <a:lvl6pPr marL="2286000" indent="0">
               <a:buNone/>
-              <a:defRPr sz="900"/>
+              <a:defRPr sz="1000"/>
             </a:lvl6pPr>
             <a:lvl7pPr marL="2743200" indent="0">
               <a:buNone/>
-              <a:defRPr sz="900"/>
+              <a:defRPr sz="1000"/>
             </a:lvl7pPr>
             <a:lvl8pPr marL="3200400" indent="0">
               <a:buNone/>
-              <a:defRPr sz="900"/>
+              <a:defRPr sz="1000"/>
             </a:lvl8pPr>
             <a:lvl9pPr marL="3657600" indent="0">
               <a:buNone/>
-              <a:defRPr sz="900"/>
+              <a:defRPr sz="1000"/>
             </a:lvl9pPr>
           </a:lstStyle>
           <a:p>
@@ -1032,7 +1038,7 @@
       </p:sp>
       <p:sp>
         <p:nvSpPr>
-          <p:cNvPr id="4" name="Date Placeholder 3"/>
+          <p:cNvPr id="5" name="Date Placeholder 4"/>
           <p:cNvSpPr>
             <a:spLocks noGrp="1"/>
           </p:cNvSpPr>
@@ -1047,7 +1053,7 @@
           <a:p>
             <a:fld id="{8405FD1F-A033-42C1-8902-92D91DAC3712}" type="datetimeFigureOut">
               <a:rPr lang="en-US" smtClean="0"/>
-              <a:t>5/25/2024</a:t>
+              <a:t>5/26/2024</a:t>
             </a:fld>
             <a:endParaRPr lang="en-US"/>
           </a:p>
@@ -1055,7 +1061,7 @@
       </p:sp>
       <p:sp>
         <p:nvSpPr>
-          <p:cNvPr id="5" name="Footer Placeholder 4"/>
+          <p:cNvPr id="6" name="Footer Placeholder 5"/>
           <p:cNvSpPr>
             <a:spLocks noGrp="1"/>
           </p:cNvSpPr>
@@ -1074,7 +1080,7 @@
       </p:sp>
       <p:sp>
         <p:nvSpPr>
-          <p:cNvPr id="6" name="Slide Number Placeholder 5"/>
+          <p:cNvPr id="7" name="Slide Number Placeholder 6"/>
           <p:cNvSpPr>
             <a:spLocks noGrp="1"/>
           </p:cNvSpPr>
@@ -1097,46 +1103,115 @@
       </p:sp>
       <p:sp>
         <p:nvSpPr>
-          <p:cNvPr id="12" name="TextBox 11"/>
+          <p:cNvPr id="11" name="TextBox 10"/>
           <p:cNvSpPr txBox="1"/>
           <p:nvPr/>
         </p:nvSpPr>
         <p:spPr>
           <a:xfrm>
-            <a:off x="898295" y="971253"/>
-            <a:ext cx="801912" cy="1969770"/>
+            <a:off x="990600" y="884796"/>
+            <a:ext cx="609600" cy="584776"/>
           </a:xfrm>
           <a:prstGeom prst="rect">
             <a:avLst/>
           </a:prstGeom>
-          <a:noFill/>
         </p:spPr>
         <p:txBody>
-          <a:bodyPr wrap="square" rtlCol="0">
-            <a:spAutoFit/>
+          <a:bodyPr vert="horz" lIns="91440" tIns="45720" rIns="91440" bIns="45720" rtlCol="0" anchor="ctr">
+            <a:noAutofit/>
           </a:bodyPr>
           <a:lstStyle>
-            <a:defPPr>
-              <a:defRPr lang="en-US"/>
-            </a:defPPr>
-            <a:lvl1pPr algn="r">
-              <a:defRPr sz="12200" b="0" i="0">
-                <a:solidFill>
-                  <a:schemeClr val="bg2">
-                    <a:lumMod val="40000"/>
-                    <a:lumOff val="60000"/>
-                  </a:schemeClr>
-                </a:solidFill>
-                <a:latin typeface="Arial"/>
-                <a:ea typeface="+mj-ea"/>
-                <a:cs typeface="+mj-cs"/>
+            <a:lvl1pPr>
+              <a:spcBef>
+                <a:spcPct val="0"/>
+              </a:spcBef>
+              <a:buNone/>
+              <a:defRPr sz="3200" b="0" cap="all">
+                <a:ln w="3175" cmpd="sng">
+                  <a:noFill/>
+                </a:ln>
+                <a:effectLst>
+                  <a:glow rad="38100">
+                    <a:schemeClr val="bg1">
+                      <a:lumMod val="65000"/>
+                      <a:lumOff val="35000"/>
+                      <a:alpha val="40000"/>
+                    </a:schemeClr>
+                  </a:glow>
+                  <a:outerShdw blurRad="28575" dist="38100" dir="14040000" algn="tl" rotWithShape="0">
+                    <a:srgbClr val="000000">
+                      <a:alpha val="25000"/>
+                    </a:srgbClr>
+                  </a:outerShdw>
+                </a:effectLst>
               </a:defRPr>
             </a:lvl1pPr>
+            <a:lvl2pPr>
+              <a:defRPr>
+                <a:solidFill>
+                  <a:schemeClr val="tx2"/>
+                </a:solidFill>
+              </a:defRPr>
+            </a:lvl2pPr>
+            <a:lvl3pPr>
+              <a:defRPr>
+                <a:solidFill>
+                  <a:schemeClr val="tx2"/>
+                </a:solidFill>
+              </a:defRPr>
+            </a:lvl3pPr>
+            <a:lvl4pPr>
+              <a:defRPr>
+                <a:solidFill>
+                  <a:schemeClr val="tx2"/>
+                </a:solidFill>
+              </a:defRPr>
+            </a:lvl4pPr>
+            <a:lvl5pPr>
+              <a:defRPr>
+                <a:solidFill>
+                  <a:schemeClr val="tx2"/>
+                </a:solidFill>
+              </a:defRPr>
+            </a:lvl5pPr>
+            <a:lvl6pPr>
+              <a:defRPr>
+                <a:solidFill>
+                  <a:schemeClr val="tx2"/>
+                </a:solidFill>
+              </a:defRPr>
+            </a:lvl6pPr>
+            <a:lvl7pPr>
+              <a:defRPr>
+                <a:solidFill>
+                  <a:schemeClr val="tx2"/>
+                </a:solidFill>
+              </a:defRPr>
+            </a:lvl7pPr>
+            <a:lvl8pPr>
+              <a:defRPr>
+                <a:solidFill>
+                  <a:schemeClr val="tx2"/>
+                </a:solidFill>
+              </a:defRPr>
+            </a:lvl8pPr>
+            <a:lvl9pPr>
+              <a:defRPr>
+                <a:solidFill>
+                  <a:schemeClr val="tx2"/>
+                </a:solidFill>
+              </a:defRPr>
+            </a:lvl9pPr>
           </a:lstStyle>
           <a:p>
             <a:pPr lvl="0"/>
             <a:r>
-              <a:rPr lang="en-US" dirty="0"/>
+              <a:rPr lang="en-US" sz="8000" dirty="0">
+                <a:solidFill>
+                  <a:schemeClr val="tx1"/>
+                </a:solidFill>
+                <a:effectLst/>
+              </a:rPr>
               <a:t>“</a:t>
             </a:r>
           </a:p>
@@ -1144,46 +1219,115 @@
       </p:sp>
       <p:sp>
         <p:nvSpPr>
-          <p:cNvPr id="15" name="TextBox 14"/>
+          <p:cNvPr id="13" name="TextBox 12"/>
           <p:cNvSpPr txBox="1"/>
           <p:nvPr/>
         </p:nvSpPr>
         <p:spPr>
           <a:xfrm>
-            <a:off x="9330490" y="2613787"/>
-            <a:ext cx="801912" cy="1969770"/>
+            <a:off x="10504716" y="2928258"/>
+            <a:ext cx="609600" cy="584776"/>
           </a:xfrm>
           <a:prstGeom prst="rect">
             <a:avLst/>
           </a:prstGeom>
-          <a:noFill/>
         </p:spPr>
         <p:txBody>
-          <a:bodyPr wrap="square" rtlCol="0">
-            <a:spAutoFit/>
+          <a:bodyPr vert="horz" lIns="91440" tIns="45720" rIns="91440" bIns="45720" rtlCol="0" anchor="ctr">
+            <a:noAutofit/>
           </a:bodyPr>
           <a:lstStyle>
-            <a:defPPr>
-              <a:defRPr lang="en-US"/>
-            </a:defPPr>
-            <a:lvl1pPr algn="r">
-              <a:defRPr sz="12200" b="0" i="0">
-                <a:solidFill>
-                  <a:schemeClr val="bg2">
-                    <a:lumMod val="40000"/>
-                    <a:lumOff val="60000"/>
-                  </a:schemeClr>
-                </a:solidFill>
-                <a:latin typeface="Arial"/>
-                <a:ea typeface="+mj-ea"/>
-                <a:cs typeface="+mj-cs"/>
+            <a:lvl1pPr>
+              <a:spcBef>
+                <a:spcPct val="0"/>
+              </a:spcBef>
+              <a:buNone/>
+              <a:defRPr sz="3200" b="0" cap="all">
+                <a:ln w="3175" cmpd="sng">
+                  <a:noFill/>
+                </a:ln>
+                <a:effectLst>
+                  <a:glow rad="38100">
+                    <a:schemeClr val="bg1">
+                      <a:lumMod val="65000"/>
+                      <a:lumOff val="35000"/>
+                      <a:alpha val="40000"/>
+                    </a:schemeClr>
+                  </a:glow>
+                  <a:outerShdw blurRad="28575" dist="38100" dir="14040000" algn="tl" rotWithShape="0">
+                    <a:srgbClr val="000000">
+                      <a:alpha val="25000"/>
+                    </a:srgbClr>
+                  </a:outerShdw>
+                </a:effectLst>
               </a:defRPr>
             </a:lvl1pPr>
+            <a:lvl2pPr>
+              <a:defRPr>
+                <a:solidFill>
+                  <a:schemeClr val="tx2"/>
+                </a:solidFill>
+              </a:defRPr>
+            </a:lvl2pPr>
+            <a:lvl3pPr>
+              <a:defRPr>
+                <a:solidFill>
+                  <a:schemeClr val="tx2"/>
+                </a:solidFill>
+              </a:defRPr>
+            </a:lvl3pPr>
+            <a:lvl4pPr>
+              <a:defRPr>
+                <a:solidFill>
+                  <a:schemeClr val="tx2"/>
+                </a:solidFill>
+              </a:defRPr>
+            </a:lvl4pPr>
+            <a:lvl5pPr>
+              <a:defRPr>
+                <a:solidFill>
+                  <a:schemeClr val="tx2"/>
+                </a:solidFill>
+              </a:defRPr>
+            </a:lvl5pPr>
+            <a:lvl6pPr>
+              <a:defRPr>
+                <a:solidFill>
+                  <a:schemeClr val="tx2"/>
+                </a:solidFill>
+              </a:defRPr>
+            </a:lvl6pPr>
+            <a:lvl7pPr>
+              <a:defRPr>
+                <a:solidFill>
+                  <a:schemeClr val="tx2"/>
+                </a:solidFill>
+              </a:defRPr>
+            </a:lvl7pPr>
+            <a:lvl8pPr>
+              <a:defRPr>
+                <a:solidFill>
+                  <a:schemeClr val="tx2"/>
+                </a:solidFill>
+              </a:defRPr>
+            </a:lvl8pPr>
+            <a:lvl9pPr>
+              <a:defRPr>
+                <a:solidFill>
+                  <a:schemeClr val="tx2"/>
+                </a:solidFill>
+              </a:defRPr>
+            </a:lvl9pPr>
           </a:lstStyle>
           <a:p>
-            <a:pPr lvl="0"/>
-            <a:r>
-              <a:rPr lang="en-US" dirty="0"/>
+            <a:pPr lvl="0" algn="r"/>
+            <a:r>
+              <a:rPr lang="en-US" sz="8000" dirty="0">
+                <a:solidFill>
+                  <a:schemeClr val="tx1"/>
+                </a:solidFill>
+                <a:effectLst/>
+              </a:rPr>
               <a:t>”</a:t>
             </a:r>
           </a:p>
@@ -1192,7 +1336,7 @@
     </p:spTree>
     <p:extLst>
       <p:ext uri="{BB962C8B-B14F-4D97-AF65-F5344CB8AC3E}">
-        <p14:creationId xmlns:p14="http://schemas.microsoft.com/office/powerpoint/2010/main" val="693910829"/>
+        <p14:creationId xmlns:p14="http://schemas.microsoft.com/office/powerpoint/2010/main" val="3537260196"/>
       </p:ext>
     </p:extLst>
   </p:cSld>
@@ -1231,15 +1375,15 @@
         </p:nvSpPr>
         <p:spPr>
           <a:xfrm>
-            <a:off x="1154954" y="3124201"/>
-            <a:ext cx="8825660" cy="1653180"/>
+            <a:off x="913794" y="2126942"/>
+            <a:ext cx="10353763" cy="2511835"/>
           </a:xfrm>
         </p:spPr>
         <p:txBody>
           <a:bodyPr anchor="b"/>
           <a:lstStyle>
-            <a:lvl1pPr algn="l">
-              <a:defRPr sz="4000" b="0" cap="none"/>
+            <a:lvl1pPr>
+              <a:defRPr sz="3200"/>
             </a:lvl1pPr>
           </a:lstStyle>
           <a:p>
@@ -1253,113 +1397,58 @@
       </p:sp>
       <p:sp>
         <p:nvSpPr>
-          <p:cNvPr id="3" name="Text Placeholder 2"/>
-          <p:cNvSpPr>
-            <a:spLocks noGrp="1"/>
-          </p:cNvSpPr>
-          <p:nvPr>
-            <p:ph type="body" idx="1"/>
+          <p:cNvPr id="4" name="Text Placeholder 3"/>
+          <p:cNvSpPr>
+            <a:spLocks noGrp="1"/>
+          </p:cNvSpPr>
+          <p:nvPr>
+            <p:ph type="body" sz="half" idx="2"/>
           </p:nvPr>
         </p:nvSpPr>
         <p:spPr>
           <a:xfrm>
-            <a:off x="1154954" y="4777381"/>
-            <a:ext cx="8825659" cy="860400"/>
+            <a:off x="913784" y="4650556"/>
+            <a:ext cx="10352199" cy="1140644"/>
           </a:xfrm>
         </p:spPr>
         <p:txBody>
           <a:bodyPr anchor="t"/>
           <a:lstStyle>
-            <a:lvl1pPr marL="0" indent="0" algn="l">
-              <a:buNone/>
-              <a:defRPr sz="2000" cap="none">
-                <a:solidFill>
-                  <a:schemeClr val="bg2">
-                    <a:lumMod val="40000"/>
-                    <a:lumOff val="60000"/>
-                  </a:schemeClr>
-                </a:solidFill>
-              </a:defRPr>
+            <a:lvl1pPr marL="0" indent="0" algn="ctr">
+              <a:buNone/>
+              <a:defRPr sz="1600"/>
             </a:lvl1pPr>
             <a:lvl2pPr marL="457200" indent="0">
               <a:buNone/>
-              <a:defRPr sz="1800">
-                <a:solidFill>
-                  <a:schemeClr val="tx1">
-                    <a:tint val="75000"/>
-                  </a:schemeClr>
-                </a:solidFill>
-              </a:defRPr>
+              <a:defRPr sz="1400"/>
             </a:lvl2pPr>
             <a:lvl3pPr marL="914400" indent="0">
               <a:buNone/>
-              <a:defRPr sz="1600">
-                <a:solidFill>
-                  <a:schemeClr val="tx1">
-                    <a:tint val="75000"/>
-                  </a:schemeClr>
-                </a:solidFill>
-              </a:defRPr>
+              <a:defRPr sz="1200"/>
             </a:lvl3pPr>
             <a:lvl4pPr marL="1371600" indent="0">
               <a:buNone/>
-              <a:defRPr sz="1400">
-                <a:solidFill>
-                  <a:schemeClr val="tx1">
-                    <a:tint val="75000"/>
-                  </a:schemeClr>
-                </a:solidFill>
-              </a:defRPr>
+              <a:defRPr sz="1000"/>
             </a:lvl4pPr>
             <a:lvl5pPr marL="1828800" indent="0">
               <a:buNone/>
-              <a:defRPr sz="1400">
-                <a:solidFill>
-                  <a:schemeClr val="tx1">
-                    <a:tint val="75000"/>
-                  </a:schemeClr>
-                </a:solidFill>
-              </a:defRPr>
+              <a:defRPr sz="1000"/>
             </a:lvl5pPr>
             <a:lvl6pPr marL="2286000" indent="0">
               <a:buNone/>
-              <a:defRPr sz="1400">
-                <a:solidFill>
-                  <a:schemeClr val="tx1">
-                    <a:tint val="75000"/>
-                  </a:schemeClr>
-                </a:solidFill>
-              </a:defRPr>
+              <a:defRPr sz="1000"/>
             </a:lvl6pPr>
             <a:lvl7pPr marL="2743200" indent="0">
               <a:buNone/>
-              <a:defRPr sz="1400">
-                <a:solidFill>
-                  <a:schemeClr val="tx1">
-                    <a:tint val="75000"/>
-                  </a:schemeClr>
-                </a:solidFill>
-              </a:defRPr>
+              <a:defRPr sz="1000"/>
             </a:lvl7pPr>
             <a:lvl8pPr marL="3200400" indent="0">
               <a:buNone/>
-              <a:defRPr sz="1400">
-                <a:solidFill>
-                  <a:schemeClr val="tx1">
-                    <a:tint val="75000"/>
-                  </a:schemeClr>
-                </a:solidFill>
-              </a:defRPr>
+              <a:defRPr sz="1000"/>
             </a:lvl8pPr>
             <a:lvl9pPr marL="3657600" indent="0">
               <a:buNone/>
-              <a:defRPr sz="1400">
-                <a:solidFill>
-                  <a:schemeClr val="tx1">
-                    <a:tint val="75000"/>
-                  </a:schemeClr>
-                </a:solidFill>
-              </a:defRPr>
+              <a:defRPr sz="1000"/>
             </a:lvl9pPr>
           </a:lstStyle>
           <a:p>
@@ -1373,7 +1462,7 @@
       </p:sp>
       <p:sp>
         <p:nvSpPr>
-          <p:cNvPr id="4" name="Date Placeholder 3"/>
+          <p:cNvPr id="5" name="Date Placeholder 4"/>
           <p:cNvSpPr>
             <a:spLocks noGrp="1"/>
           </p:cNvSpPr>
@@ -1388,7 +1477,7 @@
           <a:p>
             <a:fld id="{8405FD1F-A033-42C1-8902-92D91DAC3712}" type="datetimeFigureOut">
               <a:rPr lang="en-US" smtClean="0"/>
-              <a:t>5/25/2024</a:t>
+              <a:t>5/26/2024</a:t>
             </a:fld>
             <a:endParaRPr lang="en-US"/>
           </a:p>
@@ -1396,7 +1485,7 @@
       </p:sp>
       <p:sp>
         <p:nvSpPr>
-          <p:cNvPr id="5" name="Footer Placeholder 4"/>
+          <p:cNvPr id="6" name="Footer Placeholder 5"/>
           <p:cNvSpPr>
             <a:spLocks noGrp="1"/>
           </p:cNvSpPr>
@@ -1415,7 +1504,7 @@
       </p:sp>
       <p:sp>
         <p:nvSpPr>
-          <p:cNvPr id="6" name="Slide Number Placeholder 5"/>
+          <p:cNvPr id="7" name="Slide Number Placeholder 6"/>
           <p:cNvSpPr>
             <a:spLocks noGrp="1"/>
           </p:cNvSpPr>
@@ -1439,7 +1528,7 @@
     </p:spTree>
     <p:extLst>
       <p:ext uri="{BB962C8B-B14F-4D97-AF65-F5344CB8AC3E}">
-        <p14:creationId xmlns:p14="http://schemas.microsoft.com/office/powerpoint/2010/main" val="995538731"/>
+        <p14:creationId xmlns:p14="http://schemas.microsoft.com/office/powerpoint/2010/main" val="2727604709"/>
       </p:ext>
     </p:extLst>
   </p:cSld>
@@ -1468,45 +1557,46 @@
       </p:grpSpPr>
       <p:sp>
         <p:nvSpPr>
-          <p:cNvPr id="2" name="Title 1"/>
+          <p:cNvPr id="15" name="Title 1"/>
           <p:cNvSpPr>
             <a:spLocks noGrp="1"/>
           </p:cNvSpPr>
           <p:nvPr>
             <p:ph type="title"/>
-          </p:nvPr>
-        </p:nvSpPr>
-        <p:spPr/>
-        <p:txBody>
-          <a:bodyPr/>
-          <a:lstStyle>
-            <a:lvl1pPr>
-              <a:defRPr sz="4200"/>
-            </a:lvl1pPr>
-          </a:lstStyle>
-          <a:p>
-            <a:r>
-              <a:rPr lang="en-US" smtClean="0"/>
-              <a:t>Click to edit Master title style</a:t>
-            </a:r>
-            <a:endParaRPr lang="en-US" dirty="0"/>
-          </a:p>
-        </p:txBody>
-      </p:sp>
-      <p:sp>
-        <p:nvSpPr>
-          <p:cNvPr id="3" name="Text Placeholder 2"/>
-          <p:cNvSpPr>
-            <a:spLocks noGrp="1"/>
-          </p:cNvSpPr>
-          <p:nvPr>
-            <p:ph type="body" idx="1"/>
           </p:nvPr>
         </p:nvSpPr>
         <p:spPr>
           <a:xfrm>
-            <a:off x="632947" y="1981200"/>
-            <a:ext cx="2946866" cy="576262"/>
+            <a:off x="913795" y="609600"/>
+            <a:ext cx="10353762" cy="970450"/>
+          </a:xfrm>
+        </p:spPr>
+        <p:txBody>
+          <a:bodyPr/>
+          <a:lstStyle/>
+          <a:p>
+            <a:r>
+              <a:rPr lang="en-US" smtClean="0"/>
+              <a:t>Click to edit Master title style</a:t>
+            </a:r>
+            <a:endParaRPr lang="en-US" dirty="0"/>
+          </a:p>
+        </p:txBody>
+      </p:sp>
+      <p:sp>
+        <p:nvSpPr>
+          <p:cNvPr id="7" name="Text Placeholder 2"/>
+          <p:cNvSpPr>
+            <a:spLocks noGrp="1"/>
+          </p:cNvSpPr>
+          <p:nvPr>
+            <p:ph type="body" idx="1"/>
+          </p:nvPr>
+        </p:nvSpPr>
+        <p:spPr>
+          <a:xfrm>
+            <a:off x="913795" y="1885950"/>
+            <a:ext cx="3300984" cy="576262"/>
           </a:xfrm>
         </p:spPr>
         <p:txBody>
@@ -1514,14 +1604,11 @@
             <a:noAutofit/>
           </a:bodyPr>
           <a:lstStyle>
-            <a:lvl1pPr marL="0" indent="0">
+            <a:lvl1pPr marL="0" indent="0" algn="ctr">
               <a:buNone/>
               <a:defRPr sz="2400" b="0">
                 <a:solidFill>
-                  <a:schemeClr val="bg2">
-                    <a:lumMod val="40000"/>
-                    <a:lumOff val="60000"/>
-                  </a:schemeClr>
+                  <a:schemeClr val="tx1"/>
                 </a:solidFill>
               </a:defRPr>
             </a:lvl1pPr>
@@ -1569,7 +1656,7 @@
       </p:sp>
       <p:sp>
         <p:nvSpPr>
-          <p:cNvPr id="16" name="Text Placeholder 3"/>
+          <p:cNvPr id="8" name="Text Placeholder 3"/>
           <p:cNvSpPr>
             <a:spLocks noGrp="1"/>
           </p:cNvSpPr>
@@ -1579,8 +1666,8 @@
         </p:nvSpPr>
         <p:spPr>
           <a:xfrm>
-            <a:off x="652463" y="2667000"/>
-            <a:ext cx="2927350" cy="3589338"/>
+            <a:off x="913795" y="2571750"/>
+            <a:ext cx="3300984" cy="3219450"/>
           </a:xfrm>
         </p:spPr>
         <p:txBody>
@@ -1588,7 +1675,7 @@
             <a:normAutofit/>
           </a:bodyPr>
           <a:lstStyle>
-            <a:lvl1pPr marL="0" indent="0">
+            <a:lvl1pPr marL="0" indent="0" algn="ctr">
               <a:buNone/>
               <a:defRPr sz="1400"/>
             </a:lvl1pPr>
@@ -1636,7 +1723,7 @@
       </p:sp>
       <p:sp>
         <p:nvSpPr>
-          <p:cNvPr id="5" name="Text Placeholder 4"/>
+          <p:cNvPr id="9" name="Text Placeholder 4"/>
           <p:cNvSpPr>
             <a:spLocks noGrp="1"/>
           </p:cNvSpPr>
@@ -1646,8 +1733,8 @@
         </p:nvSpPr>
         <p:spPr>
           <a:xfrm>
-            <a:off x="3883659" y="1981200"/>
-            <a:ext cx="2936241" cy="576262"/>
+            <a:off x="4446711" y="1885950"/>
+            <a:ext cx="3300984" cy="576262"/>
           </a:xfrm>
         </p:spPr>
         <p:txBody>
@@ -1655,14 +1742,11 @@
             <a:noAutofit/>
           </a:bodyPr>
           <a:lstStyle>
-            <a:lvl1pPr marL="0" indent="0">
+            <a:lvl1pPr marL="0" indent="0" algn="ctr">
               <a:buNone/>
               <a:defRPr sz="2400" b="0">
                 <a:solidFill>
-                  <a:schemeClr val="bg2">
-                    <a:lumMod val="40000"/>
-                    <a:lumOff val="60000"/>
-                  </a:schemeClr>
+                  <a:schemeClr val="tx1"/>
                 </a:solidFill>
               </a:defRPr>
             </a:lvl1pPr>
@@ -1710,7 +1794,7 @@
       </p:sp>
       <p:sp>
         <p:nvSpPr>
-          <p:cNvPr id="19" name="Text Placeholder 3"/>
+          <p:cNvPr id="10" name="Text Placeholder 3"/>
           <p:cNvSpPr>
             <a:spLocks noGrp="1"/>
           </p:cNvSpPr>
@@ -1720,8 +1804,8 @@
         </p:nvSpPr>
         <p:spPr>
           <a:xfrm>
-            <a:off x="3873106" y="2667000"/>
-            <a:ext cx="2946794" cy="3589338"/>
+            <a:off x="4441435" y="2571750"/>
+            <a:ext cx="3300984" cy="3219450"/>
           </a:xfrm>
         </p:spPr>
         <p:txBody>
@@ -1729,7 +1813,7 @@
             <a:normAutofit/>
           </a:bodyPr>
           <a:lstStyle>
-            <a:lvl1pPr marL="0" indent="0">
+            <a:lvl1pPr marL="0" indent="0" algn="ctr">
               <a:buNone/>
               <a:defRPr sz="1400"/>
             </a:lvl1pPr>
@@ -1777,7 +1861,7 @@
       </p:sp>
       <p:sp>
         <p:nvSpPr>
-          <p:cNvPr id="14" name="Text Placeholder 4"/>
+          <p:cNvPr id="11" name="Text Placeholder 4"/>
           <p:cNvSpPr>
             <a:spLocks noGrp="1"/>
           </p:cNvSpPr>
@@ -1787,8 +1871,8 @@
         </p:nvSpPr>
         <p:spPr>
           <a:xfrm>
-            <a:off x="7124700" y="1981200"/>
-            <a:ext cx="2932113" cy="576262"/>
+            <a:off x="7966572" y="1885950"/>
+            <a:ext cx="3300984" cy="576262"/>
           </a:xfrm>
         </p:spPr>
         <p:txBody>
@@ -1796,14 +1880,11 @@
             <a:noAutofit/>
           </a:bodyPr>
           <a:lstStyle>
-            <a:lvl1pPr marL="0" indent="0">
+            <a:lvl1pPr marL="0" indent="0" algn="ctr">
               <a:buNone/>
               <a:defRPr sz="2400" b="0">
                 <a:solidFill>
-                  <a:schemeClr val="bg2">
-                    <a:lumMod val="40000"/>
-                    <a:lumOff val="60000"/>
-                  </a:schemeClr>
+                  <a:schemeClr val="tx1"/>
                 </a:solidFill>
               </a:defRPr>
             </a:lvl1pPr>
@@ -1851,7 +1932,7 @@
       </p:sp>
       <p:sp>
         <p:nvSpPr>
-          <p:cNvPr id="20" name="Text Placeholder 3"/>
+          <p:cNvPr id="12" name="Text Placeholder 3"/>
           <p:cNvSpPr>
             <a:spLocks noGrp="1"/>
           </p:cNvSpPr>
@@ -1861,8 +1942,8 @@
         </p:nvSpPr>
         <p:spPr>
           <a:xfrm>
-            <a:off x="7124700" y="2667000"/>
-            <a:ext cx="2932113" cy="3589338"/>
+            <a:off x="7966572" y="2571750"/>
+            <a:ext cx="3300984" cy="3219450"/>
           </a:xfrm>
         </p:spPr>
         <p:txBody>
@@ -1870,7 +1951,7 @@
             <a:normAutofit/>
           </a:bodyPr>
           <a:lstStyle>
-            <a:lvl1pPr marL="0" indent="0">
+            <a:lvl1pPr marL="0" indent="0" algn="ctr">
               <a:buNone/>
               <a:defRPr sz="1400"/>
             </a:lvl1pPr>
@@ -1916,87 +1997,9 @@
           </a:p>
         </p:txBody>
       </p:sp>
-      <p:cxnSp>
-        <p:nvCxnSpPr>
-          <p:cNvPr id="17" name="Straight Connector 16"/>
-          <p:cNvCxnSpPr/>
-          <p:nvPr/>
-        </p:nvCxnSpPr>
-        <p:spPr>
-          <a:xfrm>
-            <a:off x="3726142" y="2133600"/>
-            <a:ext cx="0" cy="3962400"/>
-          </a:xfrm>
-          <a:prstGeom prst="line">
-            <a:avLst/>
-          </a:prstGeom>
-          <a:ln w="12700" cmpd="sng">
-            <a:solidFill>
-              <a:schemeClr val="bg2">
-                <a:lumMod val="40000"/>
-                <a:lumOff val="60000"/>
-                <a:alpha val="40000"/>
-              </a:schemeClr>
-            </a:solidFill>
-          </a:ln>
-        </p:spPr>
-        <p:style>
-          <a:lnRef idx="2">
-            <a:schemeClr val="accent1"/>
-          </a:lnRef>
-          <a:fillRef idx="0">
-            <a:schemeClr val="accent1"/>
-          </a:fillRef>
-          <a:effectRef idx="1">
-            <a:schemeClr val="accent1"/>
-          </a:effectRef>
-          <a:fontRef idx="minor">
-            <a:schemeClr val="tx1"/>
-          </a:fontRef>
-        </p:style>
-      </p:cxnSp>
-      <p:cxnSp>
-        <p:nvCxnSpPr>
-          <p:cNvPr id="18" name="Straight Connector 17"/>
-          <p:cNvCxnSpPr/>
-          <p:nvPr/>
-        </p:nvCxnSpPr>
-        <p:spPr>
-          <a:xfrm>
-            <a:off x="6962227" y="2133600"/>
-            <a:ext cx="0" cy="3966882"/>
-          </a:xfrm>
-          <a:prstGeom prst="line">
-            <a:avLst/>
-          </a:prstGeom>
-          <a:ln w="12700" cmpd="sng">
-            <a:solidFill>
-              <a:schemeClr val="bg2">
-                <a:lumMod val="40000"/>
-                <a:lumOff val="60000"/>
-                <a:alpha val="40000"/>
-              </a:schemeClr>
-            </a:solidFill>
-          </a:ln>
-        </p:spPr>
-        <p:style>
-          <a:lnRef idx="2">
-            <a:schemeClr val="accent1"/>
-          </a:lnRef>
-          <a:fillRef idx="0">
-            <a:schemeClr val="accent1"/>
-          </a:fillRef>
-          <a:effectRef idx="1">
-            <a:schemeClr val="accent1"/>
-          </a:effectRef>
-          <a:fontRef idx="minor">
-            <a:schemeClr val="tx1"/>
-          </a:fontRef>
-        </p:style>
-      </p:cxnSp>
-      <p:sp>
-        <p:nvSpPr>
-          <p:cNvPr id="7" name="Date Placeholder 3"/>
+      <p:sp>
+        <p:nvSpPr>
+          <p:cNvPr id="3" name="Date Placeholder 2"/>
           <p:cNvSpPr>
             <a:spLocks noGrp="1"/>
           </p:cNvSpPr>
@@ -2011,7 +2014,7 @@
           <a:p>
             <a:fld id="{8405FD1F-A033-42C1-8902-92D91DAC3712}" type="datetimeFigureOut">
               <a:rPr lang="en-US" smtClean="0"/>
-              <a:t>5/25/2024</a:t>
+              <a:t>5/26/2024</a:t>
             </a:fld>
             <a:endParaRPr lang="en-US"/>
           </a:p>
@@ -2019,7 +2022,7 @@
       </p:sp>
       <p:sp>
         <p:nvSpPr>
-          <p:cNvPr id="4" name="Footer Placeholder 4"/>
+          <p:cNvPr id="4" name="Footer Placeholder 3"/>
           <p:cNvSpPr>
             <a:spLocks noGrp="1"/>
           </p:cNvSpPr>
@@ -2038,7 +2041,7 @@
       </p:sp>
       <p:sp>
         <p:nvSpPr>
-          <p:cNvPr id="6" name="Slide Number Placeholder 5"/>
+          <p:cNvPr id="5" name="Slide Number Placeholder 4"/>
           <p:cNvSpPr>
             <a:spLocks noGrp="1"/>
           </p:cNvSpPr>
@@ -2062,7 +2065,7 @@
     </p:spTree>
     <p:extLst>
       <p:ext uri="{BB962C8B-B14F-4D97-AF65-F5344CB8AC3E}">
-        <p14:creationId xmlns:p14="http://schemas.microsoft.com/office/powerpoint/2010/main" val="906117406"/>
+        <p14:creationId xmlns:p14="http://schemas.microsoft.com/office/powerpoint/2010/main" val="3370636782"/>
       </p:ext>
     </p:extLst>
   </p:cSld>
@@ -2089,47 +2092,138 @@
           <a:chExt cx="0" cy="0"/>
         </a:xfrm>
       </p:grpSpPr>
-      <p:sp>
-        <p:nvSpPr>
-          <p:cNvPr id="2" name="Title 1"/>
-          <p:cNvSpPr>
-            <a:spLocks noGrp="1"/>
-          </p:cNvSpPr>
-          <p:nvPr>
-            <p:ph type="title"/>
-          </p:nvPr>
-        </p:nvSpPr>
-        <p:spPr/>
-        <p:txBody>
-          <a:bodyPr/>
-          <a:lstStyle>
-            <a:lvl1pPr>
-              <a:defRPr sz="4200"/>
-            </a:lvl1pPr>
-          </a:lstStyle>
-          <a:p>
-            <a:r>
-              <a:rPr lang="en-US" smtClean="0"/>
-              <a:t>Click to edit Master title style</a:t>
-            </a:r>
-            <a:endParaRPr lang="en-US" dirty="0"/>
-          </a:p>
-        </p:txBody>
-      </p:sp>
-      <p:sp>
-        <p:nvSpPr>
-          <p:cNvPr id="3" name="Text Placeholder 2"/>
-          <p:cNvSpPr>
-            <a:spLocks noGrp="1"/>
-          </p:cNvSpPr>
-          <p:nvPr>
-            <p:ph type="body" idx="1"/>
-          </p:nvPr>
-        </p:nvSpPr>
+      <p:pic>
+        <p:nvPicPr>
+          <p:cNvPr id="2" name="Picture 1" descr="Slate-V2-HD-3colPhotoInset.png"/>
+          <p:cNvPicPr>
+            <a:picLocks noChangeAspect="1"/>
+          </p:cNvPicPr>
+          <p:nvPr/>
+        </p:nvPicPr>
+        <p:blipFill>
+          <a:blip r:embed="rId2">
+            <a:extLst>
+              <a:ext uri="{28A0092B-C50C-407E-A947-70E740481C1C}">
+                <a14:useLocalDpi xmlns:a14="http://schemas.microsoft.com/office/drawing/2010/main" val="0"/>
+              </a:ext>
+            </a:extLst>
+          </a:blip>
+          <a:stretch>
+            <a:fillRect/>
+          </a:stretch>
+        </p:blipFill>
         <p:spPr>
           <a:xfrm>
-            <a:off x="652463" y="4250949"/>
-            <a:ext cx="2940050" cy="576262"/>
+            <a:off x="897962" y="1818214"/>
+            <a:ext cx="3339972" cy="1847851"/>
+          </a:xfrm>
+          <a:prstGeom prst="rect">
+            <a:avLst/>
+          </a:prstGeom>
+        </p:spPr>
+      </p:pic>
+      <p:pic>
+        <p:nvPicPr>
+          <p:cNvPr id="36" name="Picture 35" descr="Slate-V2-HD-3colPhotoInset.png"/>
+          <p:cNvPicPr>
+            <a:picLocks noChangeAspect="1"/>
+          </p:cNvPicPr>
+          <p:nvPr/>
+        </p:nvPicPr>
+        <p:blipFill>
+          <a:blip r:embed="rId2">
+            <a:extLst>
+              <a:ext uri="{28A0092B-C50C-407E-A947-70E740481C1C}">
+                <a14:useLocalDpi xmlns:a14="http://schemas.microsoft.com/office/drawing/2010/main" val="0"/>
+              </a:ext>
+            </a:extLst>
+          </a:blip>
+          <a:stretch>
+            <a:fillRect/>
+          </a:stretch>
+        </p:blipFill>
+        <p:spPr>
+          <a:xfrm>
+            <a:off x="4403800" y="1818214"/>
+            <a:ext cx="3339972" cy="1847851"/>
+          </a:xfrm>
+          <a:prstGeom prst="rect">
+            <a:avLst/>
+          </a:prstGeom>
+        </p:spPr>
+      </p:pic>
+      <p:pic>
+        <p:nvPicPr>
+          <p:cNvPr id="37" name="Picture 36" descr="Slate-V2-HD-3colPhotoInset.png"/>
+          <p:cNvPicPr>
+            <a:picLocks noChangeAspect="1"/>
+          </p:cNvPicPr>
+          <p:nvPr/>
+        </p:nvPicPr>
+        <p:blipFill>
+          <a:blip r:embed="rId2">
+            <a:extLst>
+              <a:ext uri="{28A0092B-C50C-407E-A947-70E740481C1C}">
+                <a14:useLocalDpi xmlns:a14="http://schemas.microsoft.com/office/drawing/2010/main" val="0"/>
+              </a:ext>
+            </a:extLst>
+          </a:blip>
+          <a:stretch>
+            <a:fillRect/>
+          </a:stretch>
+        </p:blipFill>
+        <p:spPr>
+          <a:xfrm>
+            <a:off x="7936051" y="1818214"/>
+            <a:ext cx="3339972" cy="1847851"/>
+          </a:xfrm>
+          <a:prstGeom prst="rect">
+            <a:avLst/>
+          </a:prstGeom>
+        </p:spPr>
+      </p:pic>
+      <p:sp>
+        <p:nvSpPr>
+          <p:cNvPr id="30" name="Title 1"/>
+          <p:cNvSpPr>
+            <a:spLocks noGrp="1"/>
+          </p:cNvSpPr>
+          <p:nvPr>
+            <p:ph type="title"/>
+          </p:nvPr>
+        </p:nvSpPr>
+        <p:spPr>
+          <a:xfrm>
+            <a:off x="913794" y="609600"/>
+            <a:ext cx="10353763" cy="970450"/>
+          </a:xfrm>
+        </p:spPr>
+        <p:txBody>
+          <a:bodyPr/>
+          <a:lstStyle/>
+          <a:p>
+            <a:r>
+              <a:rPr lang="en-US" smtClean="0"/>
+              <a:t>Click to edit Master title style</a:t>
+            </a:r>
+            <a:endParaRPr lang="en-US" dirty="0"/>
+          </a:p>
+        </p:txBody>
+      </p:sp>
+      <p:sp>
+        <p:nvSpPr>
+          <p:cNvPr id="19" name="Text Placeholder 2"/>
+          <p:cNvSpPr>
+            <a:spLocks noGrp="1"/>
+          </p:cNvSpPr>
+          <p:nvPr>
+            <p:ph type="body" idx="1"/>
+          </p:nvPr>
+        </p:nvSpPr>
+        <p:spPr>
+          <a:xfrm>
+            <a:off x="913795" y="3904106"/>
+            <a:ext cx="3300984" cy="576262"/>
           </a:xfrm>
         </p:spPr>
         <p:txBody>
@@ -2137,14 +2231,11 @@
             <a:noAutofit/>
           </a:bodyPr>
           <a:lstStyle>
-            <a:lvl1pPr marL="0" indent="0">
-              <a:buNone/>
-              <a:defRPr sz="2400" b="0">
-                <a:solidFill>
-                  <a:schemeClr val="bg2">
-                    <a:lumMod val="40000"/>
-                    <a:lumOff val="60000"/>
-                  </a:schemeClr>
+            <a:lvl1pPr marL="0" indent="0" algn="ctr">
+              <a:buNone/>
+              <a:defRPr sz="2000" b="0">
+                <a:solidFill>
+                  <a:schemeClr val="tx1"/>
                 </a:solidFill>
               </a:defRPr>
             </a:lvl1pPr>
@@ -2192,7 +2283,7 @@
       </p:sp>
       <p:sp>
         <p:nvSpPr>
-          <p:cNvPr id="29" name="Picture Placeholder 2"/>
+          <p:cNvPr id="20" name="Picture Placeholder 2"/>
           <p:cNvSpPr>
             <a:spLocks noGrp="1" noChangeAspect="1"/>
           </p:cNvSpPr>
@@ -2202,8 +2293,8 @@
         </p:nvSpPr>
         <p:spPr>
           <a:xfrm>
-            <a:off x="652463" y="2209800"/>
-            <a:ext cx="2940050" cy="1524000"/>
+            <a:off x="1018102" y="1938918"/>
+            <a:ext cx="3092368" cy="1602954"/>
           </a:xfrm>
           <a:prstGeom prst="roundRect">
             <a:avLst>
@@ -2211,9 +2302,9 @@
             </a:avLst>
           </a:prstGeom>
           <a:effectLst>
-            <a:outerShdw blurRad="50800" dist="50800" dir="5400000" algn="tl" rotWithShape="0">
+            <a:outerShdw blurRad="38100" dist="25400" dir="4440000">
               <a:srgbClr val="000000">
-                <a:alpha val="43000"/>
+                <a:alpha val="36000"/>
               </a:srgbClr>
             </a:outerShdw>
           </a:effectLst>
@@ -2271,7 +2362,7 @@
       </p:sp>
       <p:sp>
         <p:nvSpPr>
-          <p:cNvPr id="22" name="Text Placeholder 3"/>
+          <p:cNvPr id="21" name="Text Placeholder 3"/>
           <p:cNvSpPr>
             <a:spLocks noGrp="1"/>
           </p:cNvSpPr>
@@ -2281,8 +2372,8 @@
         </p:nvSpPr>
         <p:spPr>
           <a:xfrm>
-            <a:off x="652463" y="4827211"/>
-            <a:ext cx="2940050" cy="659189"/>
+            <a:off x="913795" y="4480368"/>
+            <a:ext cx="3300984" cy="1310833"/>
           </a:xfrm>
         </p:spPr>
         <p:txBody>
@@ -2290,7 +2381,7 @@
             <a:normAutofit/>
           </a:bodyPr>
           <a:lstStyle>
-            <a:lvl1pPr marL="0" indent="0">
+            <a:lvl1pPr marL="0" indent="0" algn="ctr">
               <a:buNone/>
               <a:defRPr sz="1400"/>
             </a:lvl1pPr>
@@ -2338,7 +2429,7 @@
       </p:sp>
       <p:sp>
         <p:nvSpPr>
-          <p:cNvPr id="5" name="Text Placeholder 4"/>
+          <p:cNvPr id="22" name="Text Placeholder 4"/>
           <p:cNvSpPr>
             <a:spLocks noGrp="1"/>
           </p:cNvSpPr>
@@ -2348,8 +2439,8 @@
         </p:nvSpPr>
         <p:spPr>
           <a:xfrm>
-            <a:off x="3889375" y="4250949"/>
-            <a:ext cx="2930525" cy="576262"/>
+            <a:off x="4442788" y="3904106"/>
+            <a:ext cx="3300984" cy="576262"/>
           </a:xfrm>
         </p:spPr>
         <p:txBody>
@@ -2357,14 +2448,11 @@
             <a:noAutofit/>
           </a:bodyPr>
           <a:lstStyle>
-            <a:lvl1pPr marL="0" indent="0">
-              <a:buNone/>
-              <a:defRPr sz="2400" b="0">
-                <a:solidFill>
-                  <a:schemeClr val="bg2">
-                    <a:lumMod val="40000"/>
-                    <a:lumOff val="60000"/>
-                  </a:schemeClr>
+            <a:lvl1pPr marL="0" indent="0" algn="ctr">
+              <a:buNone/>
+              <a:defRPr sz="2000" b="0">
+                <a:solidFill>
+                  <a:schemeClr val="tx1"/>
                 </a:solidFill>
               </a:defRPr>
             </a:lvl1pPr>
@@ -2412,7 +2500,7 @@
       </p:sp>
       <p:sp>
         <p:nvSpPr>
-          <p:cNvPr id="30" name="Picture Placeholder 2"/>
+          <p:cNvPr id="23" name="Picture Placeholder 2"/>
           <p:cNvSpPr>
             <a:spLocks noGrp="1" noChangeAspect="1"/>
           </p:cNvSpPr>
@@ -2422,8 +2510,8 @@
         </p:nvSpPr>
         <p:spPr>
           <a:xfrm>
-            <a:off x="3889374" y="2209800"/>
-            <a:ext cx="2930525" cy="1524000"/>
+            <a:off x="4545743" y="1939094"/>
+            <a:ext cx="3092368" cy="1608164"/>
           </a:xfrm>
           <a:prstGeom prst="roundRect">
             <a:avLst>
@@ -2431,9 +2519,9 @@
             </a:avLst>
           </a:prstGeom>
           <a:effectLst>
-            <a:outerShdw blurRad="50800" dist="50800" dir="5400000" algn="tl" rotWithShape="0">
+            <a:outerShdw blurRad="38100" dist="25400" dir="4440000">
               <a:srgbClr val="000000">
-                <a:alpha val="43000"/>
+                <a:alpha val="36000"/>
               </a:srgbClr>
             </a:outerShdw>
           </a:effectLst>
@@ -2491,7 +2579,7 @@
       </p:sp>
       <p:sp>
         <p:nvSpPr>
-          <p:cNvPr id="23" name="Text Placeholder 3"/>
+          <p:cNvPr id="24" name="Text Placeholder 3"/>
           <p:cNvSpPr>
             <a:spLocks noGrp="1"/>
           </p:cNvSpPr>
@@ -2501,8 +2589,8 @@
         </p:nvSpPr>
         <p:spPr>
           <a:xfrm>
-            <a:off x="3888022" y="4827210"/>
-            <a:ext cx="2934406" cy="659189"/>
+            <a:off x="4441435" y="4480367"/>
+            <a:ext cx="3300984" cy="1310833"/>
           </a:xfrm>
         </p:spPr>
         <p:txBody>
@@ -2510,7 +2598,7 @@
             <a:normAutofit/>
           </a:bodyPr>
           <a:lstStyle>
-            <a:lvl1pPr marL="0" indent="0">
+            <a:lvl1pPr marL="0" indent="0" algn="ctr">
               <a:buNone/>
               <a:defRPr sz="1400"/>
             </a:lvl1pPr>
@@ -2558,7 +2646,7 @@
       </p:sp>
       <p:sp>
         <p:nvSpPr>
-          <p:cNvPr id="14" name="Text Placeholder 4"/>
+          <p:cNvPr id="25" name="Text Placeholder 4"/>
           <p:cNvSpPr>
             <a:spLocks noGrp="1"/>
           </p:cNvSpPr>
@@ -2568,8 +2656,8 @@
         </p:nvSpPr>
         <p:spPr>
           <a:xfrm>
-            <a:off x="7124700" y="4250949"/>
-            <a:ext cx="2932113" cy="576262"/>
+            <a:off x="7966697" y="3904106"/>
+            <a:ext cx="3300984" cy="576262"/>
           </a:xfrm>
         </p:spPr>
         <p:txBody>
@@ -2577,14 +2665,11 @@
             <a:noAutofit/>
           </a:bodyPr>
           <a:lstStyle>
-            <a:lvl1pPr marL="0" indent="0">
-              <a:buNone/>
-              <a:defRPr sz="2400" b="0">
-                <a:solidFill>
-                  <a:schemeClr val="bg2">
-                    <a:lumMod val="40000"/>
-                    <a:lumOff val="60000"/>
-                  </a:schemeClr>
+            <a:lvl1pPr marL="0" indent="0" algn="ctr">
+              <a:buNone/>
+              <a:defRPr sz="2000" b="0">
+                <a:solidFill>
+                  <a:schemeClr val="tx1"/>
                 </a:solidFill>
               </a:defRPr>
             </a:lvl1pPr>
@@ -2632,7 +2717,7 @@
       </p:sp>
       <p:sp>
         <p:nvSpPr>
-          <p:cNvPr id="31" name="Picture Placeholder 2"/>
+          <p:cNvPr id="26" name="Picture Placeholder 2"/>
           <p:cNvSpPr>
             <a:spLocks noGrp="1" noChangeAspect="1"/>
           </p:cNvSpPr>
@@ -2642,8 +2727,8 @@
         </p:nvSpPr>
         <p:spPr>
           <a:xfrm>
-            <a:off x="7124699" y="2209800"/>
-            <a:ext cx="2932113" cy="1524000"/>
+            <a:off x="8075698" y="1934432"/>
+            <a:ext cx="3092368" cy="1607294"/>
           </a:xfrm>
           <a:prstGeom prst="roundRect">
             <a:avLst>
@@ -2651,9 +2736,9 @@
             </a:avLst>
           </a:prstGeom>
           <a:effectLst>
-            <a:outerShdw blurRad="50800" dist="50800" dir="5400000" algn="tl" rotWithShape="0">
+            <a:outerShdw blurRad="38100" dist="25400" dir="4440000">
               <a:srgbClr val="000000">
-                <a:alpha val="43000"/>
+                <a:alpha val="36000"/>
               </a:srgbClr>
             </a:outerShdw>
           </a:effectLst>
@@ -2711,7 +2796,7 @@
       </p:sp>
       <p:sp>
         <p:nvSpPr>
-          <p:cNvPr id="24" name="Text Placeholder 3"/>
+          <p:cNvPr id="27" name="Text Placeholder 3"/>
           <p:cNvSpPr>
             <a:spLocks noGrp="1"/>
           </p:cNvSpPr>
@@ -2721,8 +2806,8 @@
         </p:nvSpPr>
         <p:spPr>
           <a:xfrm>
-            <a:off x="7124575" y="4827208"/>
-            <a:ext cx="2935997" cy="659189"/>
+            <a:off x="7966572" y="4480365"/>
+            <a:ext cx="3300984" cy="1310835"/>
           </a:xfrm>
         </p:spPr>
         <p:txBody>
@@ -2730,7 +2815,7 @@
             <a:normAutofit/>
           </a:bodyPr>
           <a:lstStyle>
-            <a:lvl1pPr marL="0" indent="0">
+            <a:lvl1pPr marL="0" indent="0" algn="ctr">
               <a:buNone/>
               <a:defRPr sz="1400"/>
             </a:lvl1pPr>
@@ -2776,87 +2861,9 @@
           </a:p>
         </p:txBody>
       </p:sp>
-      <p:cxnSp>
-        <p:nvCxnSpPr>
-          <p:cNvPr id="19" name="Straight Connector 18"/>
-          <p:cNvCxnSpPr/>
-          <p:nvPr/>
-        </p:nvCxnSpPr>
-        <p:spPr>
-          <a:xfrm>
-            <a:off x="3726142" y="2133600"/>
-            <a:ext cx="0" cy="3962400"/>
-          </a:xfrm>
-          <a:prstGeom prst="line">
-            <a:avLst/>
-          </a:prstGeom>
-          <a:ln w="12700" cmpd="sng">
-            <a:solidFill>
-              <a:schemeClr val="bg2">
-                <a:lumMod val="40000"/>
-                <a:lumOff val="60000"/>
-                <a:alpha val="40000"/>
-              </a:schemeClr>
-            </a:solidFill>
-          </a:ln>
-        </p:spPr>
-        <p:style>
-          <a:lnRef idx="2">
-            <a:schemeClr val="accent1"/>
-          </a:lnRef>
-          <a:fillRef idx="0">
-            <a:schemeClr val="accent1"/>
-          </a:fillRef>
-          <a:effectRef idx="1">
-            <a:schemeClr val="accent1"/>
-          </a:effectRef>
-          <a:fontRef idx="minor">
-            <a:schemeClr val="tx1"/>
-          </a:fontRef>
-        </p:style>
-      </p:cxnSp>
-      <p:cxnSp>
-        <p:nvCxnSpPr>
-          <p:cNvPr id="20" name="Straight Connector 19"/>
-          <p:cNvCxnSpPr/>
-          <p:nvPr/>
-        </p:nvCxnSpPr>
-        <p:spPr>
-          <a:xfrm>
-            <a:off x="6962227" y="2133600"/>
-            <a:ext cx="0" cy="3966882"/>
-          </a:xfrm>
-          <a:prstGeom prst="line">
-            <a:avLst/>
-          </a:prstGeom>
-          <a:ln w="12700" cmpd="sng">
-            <a:solidFill>
-              <a:schemeClr val="bg2">
-                <a:lumMod val="40000"/>
-                <a:lumOff val="60000"/>
-                <a:alpha val="40000"/>
-              </a:schemeClr>
-            </a:solidFill>
-          </a:ln>
-        </p:spPr>
-        <p:style>
-          <a:lnRef idx="2">
-            <a:schemeClr val="accent1"/>
-          </a:lnRef>
-          <a:fillRef idx="0">
-            <a:schemeClr val="accent1"/>
-          </a:fillRef>
-          <a:effectRef idx="1">
-            <a:schemeClr val="accent1"/>
-          </a:effectRef>
-          <a:fontRef idx="minor">
-            <a:schemeClr val="tx1"/>
-          </a:fontRef>
-        </p:style>
-      </p:cxnSp>
-      <p:sp>
-        <p:nvSpPr>
-          <p:cNvPr id="7" name="Date Placeholder 3"/>
+      <p:sp>
+        <p:nvSpPr>
+          <p:cNvPr id="3" name="Date Placeholder 2"/>
           <p:cNvSpPr>
             <a:spLocks noGrp="1"/>
           </p:cNvSpPr>
@@ -2871,7 +2878,7 @@
           <a:p>
             <a:fld id="{8405FD1F-A033-42C1-8902-92D91DAC3712}" type="datetimeFigureOut">
               <a:rPr lang="en-US" smtClean="0"/>
-              <a:t>5/25/2024</a:t>
+              <a:t>5/26/2024</a:t>
             </a:fld>
             <a:endParaRPr lang="en-US"/>
           </a:p>
@@ -2879,7 +2886,7 @@
       </p:sp>
       <p:sp>
         <p:nvSpPr>
-          <p:cNvPr id="4" name="Footer Placeholder 4"/>
+          <p:cNvPr id="4" name="Footer Placeholder 3"/>
           <p:cNvSpPr>
             <a:spLocks noGrp="1"/>
           </p:cNvSpPr>
@@ -2898,7 +2905,7 @@
       </p:sp>
       <p:sp>
         <p:nvSpPr>
-          <p:cNvPr id="6" name="Slide Number Placeholder 5"/>
+          <p:cNvPr id="5" name="Slide Number Placeholder 4"/>
           <p:cNvSpPr>
             <a:spLocks noGrp="1"/>
           </p:cNvSpPr>
@@ -2922,7 +2929,7 @@
     </p:spTree>
     <p:extLst>
       <p:ext uri="{BB962C8B-B14F-4D97-AF65-F5344CB8AC3E}">
-        <p14:creationId xmlns:p14="http://schemas.microsoft.com/office/powerpoint/2010/main" val="4216982370"/>
+        <p14:creationId xmlns:p14="http://schemas.microsoft.com/office/powerpoint/2010/main" val="2004407770"/>
       </p:ext>
     </p:extLst>
   </p:cSld>
@@ -2984,7 +2991,7 @@
         </p:nvSpPr>
         <p:spPr/>
         <p:txBody>
-          <a:bodyPr vert="eaVert" anchor="t" anchorCtr="0"/>
+          <a:bodyPr vert="eaVert" anchor="t"/>
           <a:lstStyle/>
           <a:p>
             <a:pPr lvl="0"/>
@@ -3041,7 +3048,7 @@
           <a:p>
             <a:fld id="{8405FD1F-A033-42C1-8902-92D91DAC3712}" type="datetimeFigureOut">
               <a:rPr lang="en-US" smtClean="0"/>
-              <a:t>5/25/2024</a:t>
+              <a:t>5/26/2024</a:t>
             </a:fld>
             <a:endParaRPr lang="en-US"/>
           </a:p>
@@ -3092,7 +3099,7 @@
     </p:spTree>
     <p:extLst>
       <p:ext uri="{BB962C8B-B14F-4D97-AF65-F5344CB8AC3E}">
-        <p14:creationId xmlns:p14="http://schemas.microsoft.com/office/powerpoint/2010/main" val="679872382"/>
+        <p14:creationId xmlns:p14="http://schemas.microsoft.com/office/powerpoint/2010/main" val="1614634533"/>
       </p:ext>
     </p:extLst>
   </p:cSld>
@@ -3131,13 +3138,17 @@
         </p:nvSpPr>
         <p:spPr>
           <a:xfrm>
-            <a:off x="8304212" y="430213"/>
-            <a:ext cx="1752601" cy="5826125"/>
+            <a:off x="8983068" y="609599"/>
+            <a:ext cx="2284487" cy="5181601"/>
           </a:xfrm>
         </p:spPr>
         <p:txBody>
-          <a:bodyPr vert="eaVert" anchor="b" anchorCtr="0"/>
-          <a:lstStyle/>
+          <a:bodyPr vert="eaVert"/>
+          <a:lstStyle>
+            <a:lvl1pPr algn="l">
+              <a:defRPr/>
+            </a:lvl1pPr>
+          </a:lstStyle>
           <a:p>
             <a:r>
               <a:rPr lang="en-US" smtClean="0"/>
@@ -3159,12 +3170,12 @@
         </p:nvSpPr>
         <p:spPr>
           <a:xfrm>
-            <a:off x="652463" y="887414"/>
-            <a:ext cx="7423149" cy="5368924"/>
+            <a:off x="913796" y="609599"/>
+            <a:ext cx="7916872" cy="5181601"/>
           </a:xfrm>
         </p:spPr>
         <p:txBody>
-          <a:bodyPr vert="eaVert"/>
+          <a:bodyPr vert="eaVert" anchor="t"/>
           <a:lstStyle/>
           <a:p>
             <a:pPr lvl="0"/>
@@ -3221,7 +3232,7 @@
           <a:p>
             <a:fld id="{8405FD1F-A033-42C1-8902-92D91DAC3712}" type="datetimeFigureOut">
               <a:rPr lang="en-US" smtClean="0"/>
-              <a:t>5/25/2024</a:t>
+              <a:t>5/26/2024</a:t>
             </a:fld>
             <a:endParaRPr lang="en-US"/>
           </a:p>
@@ -3272,7 +3283,7 @@
     </p:spTree>
     <p:extLst>
       <p:ext uri="{BB962C8B-B14F-4D97-AF65-F5344CB8AC3E}">
-        <p14:creationId xmlns:p14="http://schemas.microsoft.com/office/powerpoint/2010/main" val="4252983446"/>
+        <p14:creationId xmlns:p14="http://schemas.microsoft.com/office/powerpoint/2010/main" val="3388909265"/>
       </p:ext>
     </p:extLst>
   </p:cSld>
@@ -3376,7 +3387,7 @@
       </p:sp>
       <p:sp>
         <p:nvSpPr>
-          <p:cNvPr id="7" name="Date Placeholder 3"/>
+          <p:cNvPr id="4" name="Date Placeholder 3"/>
           <p:cNvSpPr>
             <a:spLocks noGrp="1"/>
           </p:cNvSpPr>
@@ -3391,7 +3402,7 @@
           <a:p>
             <a:fld id="{8405FD1F-A033-42C1-8902-92D91DAC3712}" type="datetimeFigureOut">
               <a:rPr lang="en-US" smtClean="0"/>
-              <a:t>5/25/2024</a:t>
+              <a:t>5/26/2024</a:t>
             </a:fld>
             <a:endParaRPr lang="en-US"/>
           </a:p>
@@ -3442,7 +3453,7 @@
     </p:spTree>
     <p:extLst>
       <p:ext uri="{BB962C8B-B14F-4D97-AF65-F5344CB8AC3E}">
-        <p14:creationId xmlns:p14="http://schemas.microsoft.com/office/powerpoint/2010/main" val="1853121363"/>
+        <p14:creationId xmlns:p14="http://schemas.microsoft.com/office/powerpoint/2010/main" val="3885791059"/>
       </p:ext>
     </p:extLst>
   </p:cSld>
@@ -3481,14 +3492,14 @@
         </p:nvSpPr>
         <p:spPr>
           <a:xfrm>
-            <a:off x="1154956" y="2861733"/>
-            <a:ext cx="8825657" cy="1915647"/>
+            <a:off x="1295401" y="1761067"/>
+            <a:ext cx="9590550" cy="1828813"/>
           </a:xfrm>
         </p:spPr>
         <p:txBody>
           <a:bodyPr anchor="b"/>
           <a:lstStyle>
-            <a:lvl1pPr algn="l">
+            <a:lvl1pPr algn="ctr">
               <a:defRPr sz="4000" b="0" cap="none"/>
             </a:lvl1pPr>
           </a:lstStyle>
@@ -3513,21 +3524,18 @@
         </p:nvSpPr>
         <p:spPr>
           <a:xfrm>
-            <a:off x="1154955" y="4777381"/>
-            <a:ext cx="8825658" cy="860400"/>
+            <a:off x="1295401" y="3589879"/>
+            <a:ext cx="9590550" cy="1507054"/>
           </a:xfrm>
         </p:spPr>
         <p:txBody>
           <a:bodyPr anchor="t"/>
           <a:lstStyle>
-            <a:lvl1pPr marL="0" indent="0" algn="l">
-              <a:buNone/>
-              <a:defRPr sz="2000" cap="all">
-                <a:solidFill>
-                  <a:schemeClr val="bg2">
-                    <a:lumMod val="40000"/>
-                    <a:lumOff val="60000"/>
-                  </a:schemeClr>
+            <a:lvl1pPr marL="0" indent="0" algn="ctr">
+              <a:buNone/>
+              <a:defRPr sz="2000">
+                <a:solidFill>
+                  <a:schemeClr val="tx1"/>
                 </a:solidFill>
               </a:defRPr>
             </a:lvl1pPr>
@@ -3638,7 +3646,7 @@
           <a:p>
             <a:fld id="{8405FD1F-A033-42C1-8902-92D91DAC3712}" type="datetimeFigureOut">
               <a:rPr lang="en-US" smtClean="0"/>
-              <a:t>5/25/2024</a:t>
+              <a:t>5/26/2024</a:t>
             </a:fld>
             <a:endParaRPr lang="en-US"/>
           </a:p>
@@ -3689,7 +3697,7 @@
     </p:spTree>
     <p:extLst>
       <p:ext uri="{BB962C8B-B14F-4D97-AF65-F5344CB8AC3E}">
-        <p14:creationId xmlns:p14="http://schemas.microsoft.com/office/powerpoint/2010/main" val="2880060445"/>
+        <p14:creationId xmlns:p14="http://schemas.microsoft.com/office/powerpoint/2010/main" val="2205006115"/>
       </p:ext>
     </p:extLst>
   </p:cSld>
@@ -3751,43 +3759,15 @@
         </p:nvSpPr>
         <p:spPr>
           <a:xfrm>
-            <a:off x="1103312" y="2060575"/>
-            <a:ext cx="4396339" cy="4195763"/>
+            <a:off x="913795" y="1732449"/>
+            <a:ext cx="5060497" cy="4058750"/>
           </a:xfrm>
         </p:spPr>
         <p:txBody>
-          <a:bodyPr>
+          <a:bodyPr anchor="t">
             <a:normAutofit/>
           </a:bodyPr>
-          <a:lstStyle>
-            <a:lvl1pPr>
-              <a:defRPr sz="1800"/>
-            </a:lvl1pPr>
-            <a:lvl2pPr>
-              <a:defRPr sz="1600"/>
-            </a:lvl2pPr>
-            <a:lvl3pPr>
-              <a:defRPr sz="1400"/>
-            </a:lvl3pPr>
-            <a:lvl4pPr>
-              <a:defRPr sz="1200"/>
-            </a:lvl4pPr>
-            <a:lvl5pPr>
-              <a:defRPr sz="1200"/>
-            </a:lvl5pPr>
-            <a:lvl6pPr>
-              <a:defRPr sz="1200"/>
-            </a:lvl6pPr>
-            <a:lvl7pPr>
-              <a:defRPr sz="1200"/>
-            </a:lvl7pPr>
-            <a:lvl8pPr>
-              <a:defRPr sz="1200"/>
-            </a:lvl8pPr>
-            <a:lvl9pPr>
-              <a:defRPr sz="1200"/>
-            </a:lvl9pPr>
-          </a:lstStyle>
+          <a:lstStyle/>
           <a:p>
             <a:pPr lvl="0"/>
             <a:r>
@@ -3838,43 +3818,15 @@
         </p:nvSpPr>
         <p:spPr>
           <a:xfrm>
-            <a:off x="5654493" y="2056092"/>
-            <a:ext cx="4396341" cy="4200245"/>
+            <a:off x="6202892" y="1732449"/>
+            <a:ext cx="5064665" cy="4058751"/>
           </a:xfrm>
         </p:spPr>
         <p:txBody>
-          <a:bodyPr>
+          <a:bodyPr anchor="t">
             <a:normAutofit/>
           </a:bodyPr>
-          <a:lstStyle>
-            <a:lvl1pPr>
-              <a:defRPr sz="1800"/>
-            </a:lvl1pPr>
-            <a:lvl2pPr>
-              <a:defRPr sz="1600"/>
-            </a:lvl2pPr>
-            <a:lvl3pPr>
-              <a:defRPr sz="1400"/>
-            </a:lvl3pPr>
-            <a:lvl4pPr>
-              <a:defRPr sz="1200"/>
-            </a:lvl4pPr>
-            <a:lvl5pPr>
-              <a:defRPr sz="1200"/>
-            </a:lvl5pPr>
-            <a:lvl6pPr>
-              <a:defRPr sz="1200"/>
-            </a:lvl6pPr>
-            <a:lvl7pPr>
-              <a:defRPr sz="1200"/>
-            </a:lvl7pPr>
-            <a:lvl8pPr>
-              <a:defRPr sz="1200"/>
-            </a:lvl8pPr>
-            <a:lvl9pPr>
-              <a:defRPr sz="1200"/>
-            </a:lvl9pPr>
-          </a:lstStyle>
+          <a:lstStyle/>
           <a:p>
             <a:pPr lvl="0"/>
             <a:r>
@@ -3930,7 +3882,7 @@
           <a:p>
             <a:fld id="{8405FD1F-A033-42C1-8902-92D91DAC3712}" type="datetimeFigureOut">
               <a:rPr lang="en-US" smtClean="0"/>
-              <a:t>5/25/2024</a:t>
+              <a:t>5/26/2024</a:t>
             </a:fld>
             <a:endParaRPr lang="en-US"/>
           </a:p>
@@ -3981,7 +3933,7 @@
     </p:spTree>
     <p:extLst>
       <p:ext uri="{BB962C8B-B14F-4D97-AF65-F5344CB8AC3E}">
-        <p14:creationId xmlns:p14="http://schemas.microsoft.com/office/powerpoint/2010/main" val="3058233634"/>
+        <p14:creationId xmlns:p14="http://schemas.microsoft.com/office/powerpoint/2010/main" val="617768930"/>
       </p:ext>
     </p:extLst>
   </p:cSld>
@@ -4008,6 +3960,66 @@
           <a:chExt cx="0" cy="0"/>
         </a:xfrm>
       </p:grpSpPr>
+      <p:pic>
+        <p:nvPicPr>
+          <p:cNvPr id="20" name="Picture 19" descr="Slate-V2-HD-compPhotoInset.png"/>
+          <p:cNvPicPr>
+            <a:picLocks noChangeAspect="1"/>
+          </p:cNvPicPr>
+          <p:nvPr/>
+        </p:nvPicPr>
+        <p:blipFill>
+          <a:blip r:embed="rId2">
+            <a:extLst>
+              <a:ext uri="{28A0092B-C50C-407E-A947-70E740481C1C}">
+                <a14:useLocalDpi xmlns:a14="http://schemas.microsoft.com/office/drawing/2010/main" val="0"/>
+              </a:ext>
+            </a:extLst>
+          </a:blip>
+          <a:stretch>
+            <a:fillRect/>
+          </a:stretch>
+        </p:blipFill>
+        <p:spPr>
+          <a:xfrm>
+            <a:off x="913795" y="1734506"/>
+            <a:ext cx="5089072" cy="4148769"/>
+          </a:xfrm>
+          <a:prstGeom prst="rect">
+            <a:avLst/>
+          </a:prstGeom>
+        </p:spPr>
+      </p:pic>
+      <p:pic>
+        <p:nvPicPr>
+          <p:cNvPr id="21" name="Picture 20" descr="Slate-V2-HD-compPhotoInset.png"/>
+          <p:cNvPicPr>
+            <a:picLocks noChangeAspect="1"/>
+          </p:cNvPicPr>
+          <p:nvPr/>
+        </p:nvPicPr>
+        <p:blipFill>
+          <a:blip r:embed="rId2">
+            <a:extLst>
+              <a:ext uri="{28A0092B-C50C-407E-A947-70E740481C1C}">
+                <a14:useLocalDpi xmlns:a14="http://schemas.microsoft.com/office/drawing/2010/main" val="0"/>
+              </a:ext>
+            </a:extLst>
+          </a:blip>
+          <a:stretch>
+            <a:fillRect/>
+          </a:stretch>
+        </p:blipFill>
+        <p:spPr>
+          <a:xfrm>
+            <a:off x="6178485" y="1734506"/>
+            <a:ext cx="5089072" cy="4148769"/>
+          </a:xfrm>
+          <a:prstGeom prst="rect">
+            <a:avLst/>
+          </a:prstGeom>
+        </p:spPr>
+      </p:pic>
       <p:sp>
         <p:nvSpPr>
           <p:cNvPr id="2" name="Title 1"/>
@@ -4047,8 +4059,8 @@
         </p:nvSpPr>
         <p:spPr>
           <a:xfrm>
-            <a:off x="1103313" y="1905000"/>
-            <a:ext cx="4396338" cy="576262"/>
+            <a:off x="1005872" y="1835254"/>
+            <a:ext cx="4876344" cy="544884"/>
           </a:xfrm>
         </p:spPr>
         <p:txBody>
@@ -4056,16 +4068,9 @@
             <a:noAutofit/>
           </a:bodyPr>
           <a:lstStyle>
-            <a:lvl1pPr marL="0" indent="0">
-              <a:buNone/>
-              <a:defRPr sz="2400" b="0">
-                <a:solidFill>
-                  <a:schemeClr val="bg2">
-                    <a:lumMod val="40000"/>
-                    <a:lumOff val="60000"/>
-                  </a:schemeClr>
-                </a:solidFill>
-              </a:defRPr>
+            <a:lvl1pPr marL="0" indent="0" algn="ctr">
+              <a:buNone/>
+              <a:defRPr sz="2400" b="0"/>
             </a:lvl1pPr>
             <a:lvl2pPr marL="457200" indent="0">
               <a:buNone/>
@@ -4121,12 +4126,12 @@
         </p:nvSpPr>
         <p:spPr>
           <a:xfrm>
-            <a:off x="1103312" y="2514600"/>
-            <a:ext cx="4396339" cy="3741738"/>
+            <a:off x="1005872" y="2380137"/>
+            <a:ext cx="4876344" cy="3411063"/>
           </a:xfrm>
         </p:spPr>
         <p:txBody>
-          <a:bodyPr>
+          <a:bodyPr anchor="t">
             <a:normAutofit/>
           </a:bodyPr>
           <a:lstStyle>
@@ -4145,18 +4150,6 @@
             <a:lvl5pPr>
               <a:defRPr sz="1200"/>
             </a:lvl5pPr>
-            <a:lvl6pPr>
-              <a:defRPr sz="1200"/>
-            </a:lvl6pPr>
-            <a:lvl7pPr>
-              <a:defRPr sz="1200"/>
-            </a:lvl7pPr>
-            <a:lvl8pPr>
-              <a:defRPr sz="1200"/>
-            </a:lvl8pPr>
-            <a:lvl9pPr>
-              <a:defRPr sz="1200"/>
-            </a:lvl9pPr>
           </a:lstStyle>
           <a:p>
             <a:pPr lvl="0"/>
@@ -4208,8 +4201,8 @@
         </p:nvSpPr>
         <p:spPr>
           <a:xfrm>
-            <a:off x="5654495" y="1905000"/>
-            <a:ext cx="4396339" cy="576262"/>
+            <a:off x="6294967" y="1835254"/>
+            <a:ext cx="4895330" cy="544883"/>
           </a:xfrm>
         </p:spPr>
         <p:txBody>
@@ -4217,16 +4210,9 @@
             <a:noAutofit/>
           </a:bodyPr>
           <a:lstStyle>
-            <a:lvl1pPr marL="0" indent="0">
-              <a:buNone/>
-              <a:defRPr sz="2400" b="0">
-                <a:solidFill>
-                  <a:schemeClr val="bg2">
-                    <a:lumMod val="40000"/>
-                    <a:lumOff val="60000"/>
-                  </a:schemeClr>
-                </a:solidFill>
-              </a:defRPr>
+            <a:lvl1pPr marL="0" indent="0" algn="ctr">
+              <a:buNone/>
+              <a:defRPr sz="2400" b="0"/>
             </a:lvl1pPr>
             <a:lvl2pPr marL="457200" indent="0">
               <a:buNone/>
@@ -4282,12 +4268,12 @@
         </p:nvSpPr>
         <p:spPr>
           <a:xfrm>
-            <a:off x="5654495" y="2514600"/>
-            <a:ext cx="4396339" cy="3741738"/>
+            <a:off x="6294967" y="2380137"/>
+            <a:ext cx="4895330" cy="3411063"/>
           </a:xfrm>
         </p:spPr>
         <p:txBody>
-          <a:bodyPr>
+          <a:bodyPr anchor="t">
             <a:normAutofit/>
           </a:bodyPr>
           <a:lstStyle>
@@ -4306,18 +4292,6 @@
             <a:lvl5pPr>
               <a:defRPr sz="1200"/>
             </a:lvl5pPr>
-            <a:lvl6pPr>
-              <a:defRPr sz="1200"/>
-            </a:lvl6pPr>
-            <a:lvl7pPr>
-              <a:defRPr sz="1200"/>
-            </a:lvl7pPr>
-            <a:lvl8pPr>
-              <a:defRPr sz="1200"/>
-            </a:lvl8pPr>
-            <a:lvl9pPr>
-              <a:defRPr sz="1200"/>
-            </a:lvl9pPr>
           </a:lstStyle>
           <a:p>
             <a:pPr lvl="0"/>
@@ -4374,7 +4348,7 @@
           <a:p>
             <a:fld id="{8405FD1F-A033-42C1-8902-92D91DAC3712}" type="datetimeFigureOut">
               <a:rPr lang="en-US" smtClean="0"/>
-              <a:t>5/25/2024</a:t>
+              <a:t>5/26/2024</a:t>
             </a:fld>
             <a:endParaRPr lang="en-US"/>
           </a:p>
@@ -4425,7 +4399,7 @@
     </p:spTree>
     <p:extLst>
       <p:ext uri="{BB962C8B-B14F-4D97-AF65-F5344CB8AC3E}">
-        <p14:creationId xmlns:p14="http://schemas.microsoft.com/office/powerpoint/2010/main" val="3603284095"/>
+        <p14:creationId xmlns:p14="http://schemas.microsoft.com/office/powerpoint/2010/main" val="3258043554"/>
       </p:ext>
     </p:extLst>
   </p:cSld>
@@ -4477,7 +4451,7 @@
       </p:sp>
       <p:sp>
         <p:nvSpPr>
-          <p:cNvPr id="7" name="Date Placeholder 2"/>
+          <p:cNvPr id="3" name="Date Placeholder 2"/>
           <p:cNvSpPr>
             <a:spLocks noGrp="1"/>
           </p:cNvSpPr>
@@ -4492,7 +4466,7 @@
           <a:p>
             <a:fld id="{8405FD1F-A033-42C1-8902-92D91DAC3712}" type="datetimeFigureOut">
               <a:rPr lang="en-US" smtClean="0"/>
-              <a:t>5/25/2024</a:t>
+              <a:t>5/26/2024</a:t>
             </a:fld>
             <a:endParaRPr lang="en-US"/>
           </a:p>
@@ -4500,7 +4474,7 @@
       </p:sp>
       <p:sp>
         <p:nvSpPr>
-          <p:cNvPr id="5" name="Footer Placeholder 3"/>
+          <p:cNvPr id="4" name="Footer Placeholder 3"/>
           <p:cNvSpPr>
             <a:spLocks noGrp="1"/>
           </p:cNvSpPr>
@@ -4519,7 +4493,7 @@
       </p:sp>
       <p:sp>
         <p:nvSpPr>
-          <p:cNvPr id="6" name="Slide Number Placeholder 4"/>
+          <p:cNvPr id="5" name="Slide Number Placeholder 4"/>
           <p:cNvSpPr>
             <a:spLocks noGrp="1"/>
           </p:cNvSpPr>
@@ -4543,7 +4517,7 @@
     </p:spTree>
     <p:extLst>
       <p:ext uri="{BB962C8B-B14F-4D97-AF65-F5344CB8AC3E}">
-        <p14:creationId xmlns:p14="http://schemas.microsoft.com/office/powerpoint/2010/main" val="1278752457"/>
+        <p14:creationId xmlns:p14="http://schemas.microsoft.com/office/powerpoint/2010/main" val="1280145234"/>
       </p:ext>
     </p:extLst>
   </p:cSld>
@@ -4572,7 +4546,7 @@
       </p:grpSpPr>
       <p:sp>
         <p:nvSpPr>
-          <p:cNvPr id="7" name="Date Placeholder 1"/>
+          <p:cNvPr id="2" name="Date Placeholder 1"/>
           <p:cNvSpPr>
             <a:spLocks noGrp="1"/>
           </p:cNvSpPr>
@@ -4587,7 +4561,7 @@
           <a:p>
             <a:fld id="{8405FD1F-A033-42C1-8902-92D91DAC3712}" type="datetimeFigureOut">
               <a:rPr lang="en-US" smtClean="0"/>
-              <a:t>5/25/2024</a:t>
+              <a:t>5/26/2024</a:t>
             </a:fld>
             <a:endParaRPr lang="en-US"/>
           </a:p>
@@ -4595,7 +4569,7 @@
       </p:sp>
       <p:sp>
         <p:nvSpPr>
-          <p:cNvPr id="5" name="Footer Placeholder 2"/>
+          <p:cNvPr id="3" name="Footer Placeholder 2"/>
           <p:cNvSpPr>
             <a:spLocks noGrp="1"/>
           </p:cNvSpPr>
@@ -4614,7 +4588,7 @@
       </p:sp>
       <p:sp>
         <p:nvSpPr>
-          <p:cNvPr id="6" name="Slide Number Placeholder 3"/>
+          <p:cNvPr id="4" name="Slide Number Placeholder 3"/>
           <p:cNvSpPr>
             <a:spLocks noGrp="1"/>
           </p:cNvSpPr>
@@ -4638,7 +4612,7 @@
     </p:spTree>
     <p:extLst>
       <p:ext uri="{BB962C8B-B14F-4D97-AF65-F5344CB8AC3E}">
-        <p14:creationId xmlns:p14="http://schemas.microsoft.com/office/powerpoint/2010/main" val="2613942419"/>
+        <p14:creationId xmlns:p14="http://schemas.microsoft.com/office/powerpoint/2010/main" val="413989481"/>
       </p:ext>
     </p:extLst>
   </p:cSld>
@@ -4677,14 +4651,16 @@
         </p:nvSpPr>
         <p:spPr>
           <a:xfrm>
-            <a:off x="1154953" y="1447800"/>
-            <a:ext cx="3401064" cy="1447800"/>
+            <a:off x="913795" y="609600"/>
+            <a:ext cx="3706889" cy="1821918"/>
           </a:xfrm>
         </p:spPr>
         <p:txBody>
-          <a:bodyPr anchor="b"/>
+          <a:bodyPr anchor="b">
+            <a:normAutofit/>
+          </a:bodyPr>
           <a:lstStyle>
-            <a:lvl1pPr algn="l">
+            <a:lvl1pPr algn="ctr">
               <a:defRPr sz="2400" b="0"/>
             </a:lvl1pPr>
           </a:lstStyle>
@@ -4709,103 +4685,77 @@
         </p:nvSpPr>
         <p:spPr>
           <a:xfrm>
-            <a:off x="4784616" y="1447800"/>
-            <a:ext cx="5195997" cy="4572000"/>
+            <a:off x="4855633" y="609600"/>
+            <a:ext cx="6411924" cy="5181600"/>
           </a:xfrm>
         </p:spPr>
         <p:txBody>
-          <a:bodyPr anchor="ctr">
+          <a:bodyPr>
+            <a:normAutofit/>
+          </a:bodyPr>
+          <a:lstStyle/>
+          <a:p>
+            <a:pPr lvl="0"/>
+            <a:r>
+              <a:rPr lang="en-US" smtClean="0"/>
+              <a:t>Click to edit Master text styles</a:t>
+            </a:r>
+          </a:p>
+          <a:p>
+            <a:pPr lvl="1"/>
+            <a:r>
+              <a:rPr lang="en-US" smtClean="0"/>
+              <a:t>Second level</a:t>
+            </a:r>
+          </a:p>
+          <a:p>
+            <a:pPr lvl="2"/>
+            <a:r>
+              <a:rPr lang="en-US" smtClean="0"/>
+              <a:t>Third level</a:t>
+            </a:r>
+          </a:p>
+          <a:p>
+            <a:pPr lvl="3"/>
+            <a:r>
+              <a:rPr lang="en-US" smtClean="0"/>
+              <a:t>Fourth level</a:t>
+            </a:r>
+          </a:p>
+          <a:p>
+            <a:pPr lvl="4"/>
+            <a:r>
+              <a:rPr lang="en-US" smtClean="0"/>
+              <a:t>Fifth level</a:t>
+            </a:r>
+            <a:endParaRPr lang="en-US" dirty="0"/>
+          </a:p>
+        </p:txBody>
+      </p:sp>
+      <p:sp>
+        <p:nvSpPr>
+          <p:cNvPr id="4" name="Text Placeholder 3"/>
+          <p:cNvSpPr>
+            <a:spLocks noGrp="1"/>
+          </p:cNvSpPr>
+          <p:nvPr>
+            <p:ph type="body" sz="half" idx="2"/>
+          </p:nvPr>
+        </p:nvSpPr>
+        <p:spPr>
+          <a:xfrm>
+            <a:off x="913795" y="2431518"/>
+            <a:ext cx="3706889" cy="3359681"/>
+          </a:xfrm>
+        </p:spPr>
+        <p:txBody>
+          <a:bodyPr anchor="t">
             <a:normAutofit/>
           </a:bodyPr>
           <a:lstStyle>
-            <a:lvl1pPr>
-              <a:defRPr sz="2000"/>
-            </a:lvl1pPr>
-            <a:lvl2pPr>
-              <a:defRPr sz="1800"/>
-            </a:lvl2pPr>
-            <a:lvl3pPr>
+            <a:lvl1pPr marL="0" indent="0" algn="ctr">
+              <a:buNone/>
               <a:defRPr sz="1600"/>
-            </a:lvl3pPr>
-            <a:lvl4pPr>
-              <a:defRPr sz="1400"/>
-            </a:lvl4pPr>
-            <a:lvl5pPr>
-              <a:defRPr sz="1400"/>
-            </a:lvl5pPr>
-            <a:lvl6pPr>
-              <a:defRPr sz="1400"/>
-            </a:lvl6pPr>
-            <a:lvl7pPr>
-              <a:defRPr sz="1400"/>
-            </a:lvl7pPr>
-            <a:lvl8pPr>
-              <a:defRPr sz="1400"/>
-            </a:lvl8pPr>
-            <a:lvl9pPr>
-              <a:defRPr sz="1400"/>
-            </a:lvl9pPr>
-          </a:lstStyle>
-          <a:p>
-            <a:pPr lvl="0"/>
-            <a:r>
-              <a:rPr lang="en-US" smtClean="0"/>
-              <a:t>Click to edit Master text styles</a:t>
-            </a:r>
-          </a:p>
-          <a:p>
-            <a:pPr lvl="1"/>
-            <a:r>
-              <a:rPr lang="en-US" smtClean="0"/>
-              <a:t>Second level</a:t>
-            </a:r>
-          </a:p>
-          <a:p>
-            <a:pPr lvl="2"/>
-            <a:r>
-              <a:rPr lang="en-US" smtClean="0"/>
-              <a:t>Third level</a:t>
-            </a:r>
-          </a:p>
-          <a:p>
-            <a:pPr lvl="3"/>
-            <a:r>
-              <a:rPr lang="en-US" smtClean="0"/>
-              <a:t>Fourth level</a:t>
-            </a:r>
-          </a:p>
-          <a:p>
-            <a:pPr lvl="4"/>
-            <a:r>
-              <a:rPr lang="en-US" smtClean="0"/>
-              <a:t>Fifth level</a:t>
-            </a:r>
-            <a:endParaRPr lang="en-US" dirty="0"/>
-          </a:p>
-        </p:txBody>
-      </p:sp>
-      <p:sp>
-        <p:nvSpPr>
-          <p:cNvPr id="4" name="Text Placeholder 3"/>
-          <p:cNvSpPr>
-            <a:spLocks noGrp="1"/>
-          </p:cNvSpPr>
-          <p:nvPr>
-            <p:ph type="body" sz="half" idx="2"/>
-          </p:nvPr>
-        </p:nvSpPr>
-        <p:spPr>
-          <a:xfrm>
-            <a:off x="1154953" y="3129280"/>
-            <a:ext cx="3401063" cy="2895599"/>
-          </a:xfrm>
-        </p:spPr>
-        <p:txBody>
-          <a:bodyPr/>
-          <a:lstStyle>
-            <a:lvl1pPr marL="0" indent="0">
-              <a:buNone/>
-              <a:defRPr sz="1400"/>
             </a:lvl1pPr>
             <a:lvl2pPr marL="457200" indent="0">
               <a:buNone/>
@@ -4851,7 +4801,7 @@
       </p:sp>
       <p:sp>
         <p:nvSpPr>
-          <p:cNvPr id="7" name="Date Placeholder 4"/>
+          <p:cNvPr id="5" name="Date Placeholder 4"/>
           <p:cNvSpPr>
             <a:spLocks noGrp="1"/>
           </p:cNvSpPr>
@@ -4866,7 +4816,7 @@
           <a:p>
             <a:fld id="{8405FD1F-A033-42C1-8902-92D91DAC3712}" type="datetimeFigureOut">
               <a:rPr lang="en-US" smtClean="0"/>
-              <a:t>5/25/2024</a:t>
+              <a:t>5/26/2024</a:t>
             </a:fld>
             <a:endParaRPr lang="en-US"/>
           </a:p>
@@ -4874,7 +4824,7 @@
       </p:sp>
       <p:sp>
         <p:nvSpPr>
-          <p:cNvPr id="5" name="Footer Placeholder 5"/>
+          <p:cNvPr id="6" name="Footer Placeholder 5"/>
           <p:cNvSpPr>
             <a:spLocks noGrp="1"/>
           </p:cNvSpPr>
@@ -4893,7 +4843,7 @@
       </p:sp>
       <p:sp>
         <p:nvSpPr>
-          <p:cNvPr id="6" name="Slide Number Placeholder 6"/>
+          <p:cNvPr id="7" name="Slide Number Placeholder 6"/>
           <p:cNvSpPr>
             <a:spLocks noGrp="1"/>
           </p:cNvSpPr>
@@ -4917,7 +4867,7 @@
     </p:spTree>
     <p:extLst>
       <p:ext uri="{BB962C8B-B14F-4D97-AF65-F5344CB8AC3E}">
-        <p14:creationId xmlns:p14="http://schemas.microsoft.com/office/powerpoint/2010/main" val="2858112286"/>
+        <p14:creationId xmlns:p14="http://schemas.microsoft.com/office/powerpoint/2010/main" val="3684692491"/>
       </p:ext>
     </p:extLst>
   </p:cSld>
@@ -4944,29 +4894,59 @@
           <a:chExt cx="0" cy="0"/>
         </a:xfrm>
       </p:grpSpPr>
-      <p:sp>
-        <p:nvSpPr>
-          <p:cNvPr id="2" name="Title 1"/>
-          <p:cNvSpPr>
-            <a:spLocks noGrp="1"/>
-          </p:cNvSpPr>
-          <p:nvPr>
-            <p:ph type="title"/>
-          </p:nvPr>
-        </p:nvSpPr>
+      <p:pic>
+        <p:nvPicPr>
+          <p:cNvPr id="22" name="Picture 21" descr="Slate-V2-HD-vertPhotoInset.png"/>
+          <p:cNvPicPr>
+            <a:picLocks noChangeAspect="1"/>
+          </p:cNvPicPr>
+          <p:nvPr/>
+        </p:nvPicPr>
+        <p:blipFill>
+          <a:blip r:embed="rId2">
+            <a:extLst>
+              <a:ext uri="{28A0092B-C50C-407E-A947-70E740481C1C}">
+                <a14:useLocalDpi xmlns:a14="http://schemas.microsoft.com/office/drawing/2010/main" val="0"/>
+              </a:ext>
+            </a:extLst>
+          </a:blip>
+          <a:stretch>
+            <a:fillRect/>
+          </a:stretch>
+        </p:blipFill>
         <p:spPr>
           <a:xfrm>
-            <a:off x="1153907" y="1854192"/>
-            <a:ext cx="5092906" cy="1574808"/>
+            <a:off x="7293665" y="609600"/>
+            <a:ext cx="3584166" cy="5204832"/>
+          </a:xfrm>
+          <a:prstGeom prst="rect">
+            <a:avLst/>
+          </a:prstGeom>
+        </p:spPr>
+      </p:pic>
+      <p:sp>
+        <p:nvSpPr>
+          <p:cNvPr id="2" name="Title 1"/>
+          <p:cNvSpPr>
+            <a:spLocks noGrp="1"/>
+          </p:cNvSpPr>
+          <p:nvPr>
+            <p:ph type="title"/>
+          </p:nvPr>
+        </p:nvSpPr>
+        <p:spPr>
+          <a:xfrm>
+            <a:off x="913795" y="609923"/>
+            <a:ext cx="5934949" cy="1829338"/>
           </a:xfrm>
         </p:spPr>
         <p:txBody>
           <a:bodyPr anchor="b">
-            <a:normAutofit/>
+            <a:noAutofit/>
           </a:bodyPr>
           <a:lstStyle>
-            <a:lvl1pPr algn="l">
-              <a:defRPr sz="3600" b="0"/>
+            <a:lvl1pPr algn="ctr">
+              <a:defRPr sz="3200" b="0"/>
             </a:lvl1pPr>
           </a:lstStyle>
           <a:p>
@@ -4990,18 +4970,13 @@
         </p:nvSpPr>
         <p:spPr>
           <a:xfrm>
-            <a:off x="6949546" y="1143000"/>
-            <a:ext cx="3200400" cy="4572000"/>
+            <a:off x="7442551" y="763702"/>
+            <a:ext cx="3275751" cy="4912822"/>
           </a:xfrm>
-          <a:prstGeom prst="roundRect">
-            <a:avLst>
-              <a:gd name="adj" fmla="val 1858"/>
-            </a:avLst>
-          </a:prstGeom>
           <a:effectLst>
-            <a:outerShdw blurRad="50800" dist="50800" dir="5400000" algn="tl" rotWithShape="0">
+            <a:outerShdw blurRad="38100" dist="25400" dir="4440000">
               <a:srgbClr val="000000">
-                <a:alpha val="43000"/>
+                <a:alpha val="36000"/>
               </a:srgbClr>
             </a:outerShdw>
           </a:effectLst>
@@ -5069,18 +5044,18 @@
         </p:nvSpPr>
         <p:spPr>
           <a:xfrm>
-            <a:off x="1154954" y="3657600"/>
-            <a:ext cx="5084979" cy="1371600"/>
+            <a:off x="913795" y="2439261"/>
+            <a:ext cx="5934949" cy="3376134"/>
           </a:xfrm>
         </p:spPr>
         <p:txBody>
-          <a:bodyPr>
+          <a:bodyPr anchor="t">
             <a:normAutofit/>
           </a:bodyPr>
           <a:lstStyle>
-            <a:lvl1pPr marL="0" indent="0">
-              <a:buNone/>
-              <a:defRPr sz="1400"/>
+            <a:lvl1pPr marL="0" indent="0" algn="ctr">
+              <a:buNone/>
+              <a:defRPr sz="1600"/>
             </a:lvl1pPr>
             <a:lvl2pPr marL="457200" indent="0">
               <a:buNone/>
@@ -5141,7 +5116,7 @@
           <a:p>
             <a:fld id="{8405FD1F-A033-42C1-8902-92D91DAC3712}" type="datetimeFigureOut">
               <a:rPr lang="en-US" smtClean="0"/>
-              <a:t>5/25/2024</a:t>
+              <a:t>5/26/2024</a:t>
             </a:fld>
             <a:endParaRPr lang="en-US"/>
           </a:p>
@@ -5192,7 +5167,7 @@
     </p:spTree>
     <p:extLst>
       <p:ext uri="{BB962C8B-B14F-4D97-AF65-F5344CB8AC3E}">
-        <p14:creationId xmlns:p14="http://schemas.microsoft.com/office/powerpoint/2010/main" val="2641695760"/>
+        <p14:creationId xmlns:p14="http://schemas.microsoft.com/office/powerpoint/2010/main" val="1625251683"/>
       </p:ext>
     </p:extLst>
   </p:cSld>
@@ -5224,429 +5199,247 @@
           <a:chExt cx="0" cy="0"/>
         </a:xfrm>
       </p:grpSpPr>
-      <p:pic>
-        <p:nvPicPr>
-          <p:cNvPr id="8" name="Picture 7"/>
-          <p:cNvPicPr>
-            <a:picLocks noChangeAspect="1"/>
-          </p:cNvPicPr>
-          <p:nvPr/>
-        </p:nvPicPr>
-        <p:blipFill rotWithShape="1">
-          <a:blip r:embed="rId19">
-            <a:extLst>
-              <a:ext uri="{28A0092B-C50C-407E-A947-70E740481C1C}">
-                <a14:useLocalDpi xmlns:a14="http://schemas.microsoft.com/office/drawing/2010/main" val="0"/>
-              </a:ext>
-            </a:extLst>
-          </a:blip>
-          <a:srcRect l="3613"/>
-          <a:stretch/>
-        </p:blipFill>
+      <p:sp>
+        <p:nvSpPr>
+          <p:cNvPr id="2" name="Title Placeholder 1"/>
+          <p:cNvSpPr>
+            <a:spLocks noGrp="1"/>
+          </p:cNvSpPr>
+          <p:nvPr>
+            <p:ph type="title"/>
+          </p:nvPr>
+        </p:nvSpPr>
         <p:spPr>
           <a:xfrm>
-            <a:off x="0" y="2669685"/>
-            <a:ext cx="4037012" cy="4188315"/>
+            <a:off x="913795" y="609600"/>
+            <a:ext cx="10353762" cy="970450"/>
+          </a:xfrm>
+          <a:prstGeom prst="rect">
+            <a:avLst/>
+          </a:prstGeom>
+          <a:effectLst>
+            <a:outerShdw blurRad="25400" dir="17880000">
+              <a:srgbClr val="000000">
+                <a:alpha val="46000"/>
+              </a:srgbClr>
+            </a:outerShdw>
+          </a:effectLst>
+        </p:spPr>
+        <p:txBody>
+          <a:bodyPr vert="horz" lIns="91440" tIns="45720" rIns="91440" bIns="45720" rtlCol="0" anchor="ctr">
+            <a:normAutofit/>
+          </a:bodyPr>
+          <a:lstStyle/>
+          <a:p>
+            <a:r>
+              <a:rPr lang="en-US" smtClean="0"/>
+              <a:t>Click to edit Master title style</a:t>
+            </a:r>
+            <a:endParaRPr lang="en-US" dirty="0"/>
+          </a:p>
+        </p:txBody>
+      </p:sp>
+      <p:sp>
+        <p:nvSpPr>
+          <p:cNvPr id="3" name="Text Placeholder 2"/>
+          <p:cNvSpPr>
+            <a:spLocks noGrp="1"/>
+          </p:cNvSpPr>
+          <p:nvPr>
+            <p:ph type="body" idx="1"/>
+          </p:nvPr>
+        </p:nvSpPr>
+        <p:spPr>
+          <a:xfrm>
+            <a:off x="913795" y="1732449"/>
+            <a:ext cx="10353762" cy="4058751"/>
+          </a:xfrm>
+          <a:prstGeom prst="rect">
+            <a:avLst/>
+          </a:prstGeom>
+          <a:effectLst>
+            <a:outerShdw blurRad="25400" dir="17880000">
+              <a:srgbClr val="000000">
+                <a:alpha val="46000"/>
+              </a:srgbClr>
+            </a:outerShdw>
+          </a:effectLst>
+        </p:spPr>
+        <p:txBody>
+          <a:bodyPr vert="horz" lIns="91440" tIns="45720" rIns="91440" bIns="45720" rtlCol="0" anchor="t">
+            <a:normAutofit/>
+          </a:bodyPr>
+          <a:lstStyle/>
+          <a:p>
+            <a:pPr lvl="0"/>
+            <a:r>
+              <a:rPr lang="en-US" smtClean="0"/>
+              <a:t>Click to edit Master text styles</a:t>
+            </a:r>
+          </a:p>
+          <a:p>
+            <a:pPr lvl="1"/>
+            <a:r>
+              <a:rPr lang="en-US" smtClean="0"/>
+              <a:t>Second level</a:t>
+            </a:r>
+          </a:p>
+          <a:p>
+            <a:pPr lvl="2"/>
+            <a:r>
+              <a:rPr lang="en-US" smtClean="0"/>
+              <a:t>Third level</a:t>
+            </a:r>
+          </a:p>
+          <a:p>
+            <a:pPr lvl="3"/>
+            <a:r>
+              <a:rPr lang="en-US" smtClean="0"/>
+              <a:t>Fourth level</a:t>
+            </a:r>
+          </a:p>
+          <a:p>
+            <a:pPr lvl="4"/>
+            <a:r>
+              <a:rPr lang="en-US" smtClean="0"/>
+              <a:t>Fifth level</a:t>
+            </a:r>
+            <a:endParaRPr lang="en-US" dirty="0"/>
+          </a:p>
+        </p:txBody>
+      </p:sp>
+      <p:sp>
+        <p:nvSpPr>
+          <p:cNvPr id="4" name="Date Placeholder 3"/>
+          <p:cNvSpPr>
+            <a:spLocks noGrp="1"/>
+          </p:cNvSpPr>
+          <p:nvPr>
+            <p:ph type="dt" sz="half" idx="2"/>
+          </p:nvPr>
+        </p:nvSpPr>
+        <p:spPr>
+          <a:xfrm>
+            <a:off x="7678736" y="5883275"/>
+            <a:ext cx="2743200" cy="365125"/>
           </a:xfrm>
           <a:prstGeom prst="rect">
             <a:avLst/>
           </a:prstGeom>
         </p:spPr>
-      </p:pic>
-      <p:pic>
-        <p:nvPicPr>
-          <p:cNvPr id="7" name="Picture 6"/>
-          <p:cNvPicPr>
-            <a:picLocks noChangeAspect="1"/>
-          </p:cNvPicPr>
-          <p:nvPr/>
-        </p:nvPicPr>
-        <p:blipFill rotWithShape="1">
-          <a:blip r:embed="rId20">
-            <a:extLst>
-              <a:ext uri="{28A0092B-C50C-407E-A947-70E740481C1C}">
-                <a14:useLocalDpi xmlns:a14="http://schemas.microsoft.com/office/drawing/2010/main" val="0"/>
-              </a:ext>
-            </a:extLst>
-          </a:blip>
-          <a:srcRect l="35640"/>
-          <a:stretch/>
-        </p:blipFill>
+        <p:txBody>
+          <a:bodyPr vert="horz" lIns="91440" tIns="45720" rIns="91440" bIns="45720" rtlCol="0" anchor="ctr"/>
+          <a:lstStyle>
+            <a:lvl1pPr algn="r">
+              <a:defRPr sz="1000">
+                <a:solidFill>
+                  <a:schemeClr val="tx1">
+                    <a:lumMod val="95000"/>
+                  </a:schemeClr>
+                </a:solidFill>
+                <a:effectLst>
+                  <a:outerShdw blurRad="50800" dist="38100" dir="2700000" algn="tl" rotWithShape="0">
+                    <a:schemeClr val="bg1">
+                      <a:alpha val="43000"/>
+                    </a:schemeClr>
+                  </a:outerShdw>
+                </a:effectLst>
+              </a:defRPr>
+            </a:lvl1pPr>
+          </a:lstStyle>
+          <a:p>
+            <a:fld id="{8405FD1F-A033-42C1-8902-92D91DAC3712}" type="datetimeFigureOut">
+              <a:rPr lang="en-US" smtClean="0"/>
+              <a:t>5/26/2024</a:t>
+            </a:fld>
+            <a:endParaRPr lang="en-US"/>
+          </a:p>
+        </p:txBody>
+      </p:sp>
+      <p:sp>
+        <p:nvSpPr>
+          <p:cNvPr id="5" name="Footer Placeholder 4"/>
+          <p:cNvSpPr>
+            <a:spLocks noGrp="1"/>
+          </p:cNvSpPr>
+          <p:nvPr>
+            <p:ph type="ftr" sz="quarter" idx="3"/>
+          </p:nvPr>
+        </p:nvSpPr>
         <p:spPr>
           <a:xfrm>
-            <a:off x="0" y="2892347"/>
-            <a:ext cx="1522412" cy="2365453"/>
+            <a:off x="913795" y="5883275"/>
+            <a:ext cx="6672865" cy="365125"/>
           </a:xfrm>
           <a:prstGeom prst="rect">
             <a:avLst/>
           </a:prstGeom>
         </p:spPr>
-      </p:pic>
-      <p:sp>
-        <p:nvSpPr>
-          <p:cNvPr id="16" name="Oval 15"/>
-          <p:cNvSpPr/>
-          <p:nvPr/>
+        <p:txBody>
+          <a:bodyPr vert="horz" lIns="91440" tIns="45720" rIns="91440" bIns="45720" rtlCol="0" anchor="ctr"/>
+          <a:lstStyle>
+            <a:lvl1pPr algn="l">
+              <a:defRPr sz="1000">
+                <a:solidFill>
+                  <a:schemeClr val="tx1">
+                    <a:lumMod val="95000"/>
+                  </a:schemeClr>
+                </a:solidFill>
+                <a:effectLst>
+                  <a:outerShdw blurRad="50800" dist="38100" dir="2700000" algn="tl" rotWithShape="0">
+                    <a:schemeClr val="bg1">
+                      <a:alpha val="43000"/>
+                    </a:schemeClr>
+                  </a:outerShdw>
+                </a:effectLst>
+              </a:defRPr>
+            </a:lvl1pPr>
+          </a:lstStyle>
+          <a:p>
+            <a:endParaRPr lang="en-US"/>
+          </a:p>
+        </p:txBody>
+      </p:sp>
+      <p:sp>
+        <p:nvSpPr>
+          <p:cNvPr id="6" name="Slide Number Placeholder 5"/>
+          <p:cNvSpPr>
+            <a:spLocks noGrp="1"/>
+          </p:cNvSpPr>
+          <p:nvPr>
+            <p:ph type="sldNum" sz="quarter" idx="4"/>
+          </p:nvPr>
         </p:nvSpPr>
         <p:spPr>
           <a:xfrm>
-            <a:off x="8609012" y="1676400"/>
-            <a:ext cx="2819400" cy="2819400"/>
-          </a:xfrm>
-          <a:prstGeom prst="ellipse">
-            <a:avLst/>
-          </a:prstGeom>
-          <a:gradFill flip="none" rotWithShape="1">
-            <a:gsLst>
-              <a:gs pos="0">
-                <a:schemeClr val="bg2">
-                  <a:lumMod val="60000"/>
-                  <a:lumOff val="40000"/>
-                  <a:alpha val="7000"/>
-                </a:schemeClr>
-              </a:gs>
-              <a:gs pos="69000">
-                <a:schemeClr val="bg2">
-                  <a:lumMod val="60000"/>
-                  <a:lumOff val="40000"/>
-                  <a:alpha val="0"/>
-                </a:schemeClr>
-              </a:gs>
-              <a:gs pos="36000">
-                <a:schemeClr val="bg2">
-                  <a:lumMod val="60000"/>
-                  <a:lumOff val="40000"/>
-                  <a:alpha val="6000"/>
-                </a:schemeClr>
-              </a:gs>
-            </a:gsLst>
-            <a:path path="circle">
-              <a:fillToRect l="50000" t="50000" r="50000" b="50000"/>
-            </a:path>
-            <a:tileRect/>
-          </a:gradFill>
-          <a:ln>
-            <a:noFill/>
-          </a:ln>
-          <a:effectLst/>
-        </p:spPr>
-        <p:style>
-          <a:lnRef idx="1">
-            <a:schemeClr val="accent1"/>
-          </a:lnRef>
-          <a:fillRef idx="3">
-            <a:schemeClr val="accent1"/>
-          </a:fillRef>
-          <a:effectRef idx="2">
-            <a:schemeClr val="accent1"/>
-          </a:effectRef>
-          <a:fontRef idx="minor">
-            <a:schemeClr val="lt1"/>
-          </a:fontRef>
-        </p:style>
-      </p:sp>
-      <p:pic>
-        <p:nvPicPr>
-          <p:cNvPr id="9" name="Picture 8"/>
-          <p:cNvPicPr>
-            <a:picLocks noChangeAspect="1"/>
-          </p:cNvPicPr>
-          <p:nvPr/>
-        </p:nvPicPr>
-        <p:blipFill rotWithShape="1">
-          <a:blip r:embed="rId21">
-            <a:extLst>
-              <a:ext uri="{28A0092B-C50C-407E-A947-70E740481C1C}">
-                <a14:useLocalDpi xmlns:a14="http://schemas.microsoft.com/office/drawing/2010/main" val="0"/>
-              </a:ext>
-            </a:extLst>
-          </a:blip>
-          <a:srcRect t="28813"/>
-          <a:stretch/>
-        </p:blipFill>
-        <p:spPr>
-          <a:xfrm>
-            <a:off x="7999412" y="0"/>
-            <a:ext cx="1603387" cy="1141407"/>
+            <a:off x="10514011" y="5883275"/>
+            <a:ext cx="753545" cy="365125"/>
           </a:xfrm>
           <a:prstGeom prst="rect">
             <a:avLst/>
           </a:prstGeom>
         </p:spPr>
-      </p:pic>
-      <p:pic>
-        <p:nvPicPr>
-          <p:cNvPr id="10" name="Picture 9"/>
-          <p:cNvPicPr>
-            <a:picLocks noChangeAspect="1"/>
-          </p:cNvPicPr>
-          <p:nvPr/>
-        </p:nvPicPr>
-        <p:blipFill rotWithShape="1">
-          <a:blip r:embed="rId22">
-            <a:extLst>
-              <a:ext uri="{28A0092B-C50C-407E-A947-70E740481C1C}">
-                <a14:useLocalDpi xmlns:a14="http://schemas.microsoft.com/office/drawing/2010/main" val="0"/>
-              </a:ext>
-            </a:extLst>
-          </a:blip>
-          <a:srcRect b="23320"/>
-          <a:stretch/>
-        </p:blipFill>
-        <p:spPr>
-          <a:xfrm>
-            <a:off x="8605878" y="6096000"/>
-            <a:ext cx="993734" cy="762000"/>
-          </a:xfrm>
-          <a:prstGeom prst="rect">
-            <a:avLst/>
-          </a:prstGeom>
-        </p:spPr>
-      </p:pic>
-      <p:sp>
-        <p:nvSpPr>
-          <p:cNvPr id="14" name="Rectangle 13"/>
-          <p:cNvSpPr/>
-          <p:nvPr/>
-        </p:nvSpPr>
-        <p:spPr>
-          <a:xfrm>
-            <a:off x="10437812" y="0"/>
-            <a:ext cx="685800" cy="1143000"/>
-          </a:xfrm>
-          <a:prstGeom prst="rect">
-            <a:avLst/>
-          </a:prstGeom>
-          <a:solidFill>
-            <a:schemeClr val="accent1"/>
-          </a:solidFill>
-          <a:ln>
-            <a:noFill/>
-          </a:ln>
-        </p:spPr>
-        <p:style>
-          <a:lnRef idx="1">
-            <a:schemeClr val="accent1"/>
-          </a:lnRef>
-          <a:fillRef idx="3">
-            <a:schemeClr val="accent1"/>
-          </a:fillRef>
-          <a:effectRef idx="2">
-            <a:schemeClr val="accent1"/>
-          </a:effectRef>
-          <a:fontRef idx="minor">
-            <a:schemeClr val="lt1"/>
-          </a:fontRef>
-        </p:style>
-      </p:sp>
-      <p:sp>
-        <p:nvSpPr>
-          <p:cNvPr id="2" name="Title Placeholder 1"/>
-          <p:cNvSpPr>
-            <a:spLocks noGrp="1"/>
-          </p:cNvSpPr>
-          <p:nvPr>
-            <p:ph type="title"/>
-          </p:nvPr>
-        </p:nvSpPr>
-        <p:spPr>
-          <a:xfrm>
-            <a:off x="646111" y="452718"/>
-            <a:ext cx="9404723" cy="1400530"/>
-          </a:xfrm>
-          <a:prstGeom prst="rect">
-            <a:avLst/>
-          </a:prstGeom>
-        </p:spPr>
-        <p:txBody>
-          <a:bodyPr vert="horz" lIns="91440" tIns="45720" rIns="91440" bIns="45720" rtlCol="0" anchor="t">
-            <a:noAutofit/>
-          </a:bodyPr>
-          <a:lstStyle/>
-          <a:p>
-            <a:r>
-              <a:rPr lang="en-US" smtClean="0"/>
-              <a:t>Click to edit Master title style</a:t>
-            </a:r>
-            <a:endParaRPr lang="en-US" dirty="0"/>
-          </a:p>
-        </p:txBody>
-      </p:sp>
-      <p:sp>
-        <p:nvSpPr>
-          <p:cNvPr id="3" name="Text Placeholder 2"/>
-          <p:cNvSpPr>
-            <a:spLocks noGrp="1"/>
-          </p:cNvSpPr>
-          <p:nvPr>
-            <p:ph type="body" idx="1"/>
-          </p:nvPr>
-        </p:nvSpPr>
-        <p:spPr>
-          <a:xfrm>
-            <a:off x="1103312" y="2052918"/>
-            <a:ext cx="8946541" cy="4195481"/>
-          </a:xfrm>
-          <a:prstGeom prst="rect">
-            <a:avLst/>
-          </a:prstGeom>
-        </p:spPr>
-        <p:txBody>
-          <a:bodyPr vert="horz" lIns="91440" tIns="45720" rIns="91440" bIns="45720" rtlCol="0">
-            <a:normAutofit/>
-          </a:bodyPr>
-          <a:lstStyle/>
-          <a:p>
-            <a:pPr lvl="0"/>
-            <a:r>
-              <a:rPr lang="en-US" smtClean="0"/>
-              <a:t>Click to edit Master text styles</a:t>
-            </a:r>
-          </a:p>
-          <a:p>
-            <a:pPr lvl="1"/>
-            <a:r>
-              <a:rPr lang="en-US" smtClean="0"/>
-              <a:t>Second level</a:t>
-            </a:r>
-          </a:p>
-          <a:p>
-            <a:pPr lvl="2"/>
-            <a:r>
-              <a:rPr lang="en-US" smtClean="0"/>
-              <a:t>Third level</a:t>
-            </a:r>
-          </a:p>
-          <a:p>
-            <a:pPr lvl="3"/>
-            <a:r>
-              <a:rPr lang="en-US" smtClean="0"/>
-              <a:t>Fourth level</a:t>
-            </a:r>
-          </a:p>
-          <a:p>
-            <a:pPr lvl="4"/>
-            <a:r>
-              <a:rPr lang="en-US" smtClean="0"/>
-              <a:t>Fifth level</a:t>
-            </a:r>
-            <a:endParaRPr lang="en-US" dirty="0"/>
-          </a:p>
-        </p:txBody>
-      </p:sp>
-      <p:sp>
-        <p:nvSpPr>
-          <p:cNvPr id="4" name="Date Placeholder 3"/>
-          <p:cNvSpPr>
-            <a:spLocks noGrp="1"/>
-          </p:cNvSpPr>
-          <p:nvPr>
-            <p:ph type="dt" sz="half" idx="2"/>
-          </p:nvPr>
-        </p:nvSpPr>
-        <p:spPr>
-          <a:xfrm rot="5400000">
-            <a:off x="10155639" y="1790701"/>
-            <a:ext cx="990599" cy="304799"/>
-          </a:xfrm>
-          <a:prstGeom prst="rect">
-            <a:avLst/>
-          </a:prstGeom>
-        </p:spPr>
-        <p:txBody>
-          <a:bodyPr vert="horz" lIns="91440" tIns="45720" rIns="91440" bIns="45720" rtlCol="0" anchor="t"/>
+        <p:txBody>
+          <a:bodyPr vert="horz" lIns="91440" tIns="45720" rIns="91440" bIns="45720" rtlCol="0" anchor="ctr"/>
           <a:lstStyle>
-            <a:lvl1pPr algn="l">
-              <a:defRPr sz="1100" b="0" i="0">
+            <a:lvl1pPr algn="r">
+              <a:defRPr sz="1000">
                 <a:solidFill>
                   <a:schemeClr val="tx1">
-                    <a:tint val="75000"/>
-                    <a:alpha val="60000"/>
+                    <a:lumMod val="95000"/>
                   </a:schemeClr>
                 </a:solidFill>
+                <a:effectLst>
+                  <a:outerShdw blurRad="50800" dist="38100" dir="2700000" algn="tl" rotWithShape="0">
+                    <a:schemeClr val="bg1">
+                      <a:alpha val="43000"/>
+                    </a:schemeClr>
+                  </a:outerShdw>
+                </a:effectLst>
               </a:defRPr>
             </a:lvl1pPr>
           </a:lstStyle>
           <a:p>
-            <a:fld id="{8405FD1F-A033-42C1-8902-92D91DAC3712}" type="datetimeFigureOut">
-              <a:rPr lang="en-US" smtClean="0"/>
-              <a:t>5/25/2024</a:t>
-            </a:fld>
-            <a:endParaRPr lang="en-US"/>
-          </a:p>
-        </p:txBody>
-      </p:sp>
-      <p:sp>
-        <p:nvSpPr>
-          <p:cNvPr id="5" name="Footer Placeholder 4"/>
-          <p:cNvSpPr>
-            <a:spLocks noGrp="1"/>
-          </p:cNvSpPr>
-          <p:nvPr>
-            <p:ph type="ftr" sz="quarter" idx="3"/>
-          </p:nvPr>
-        </p:nvSpPr>
-        <p:spPr>
-          <a:xfrm rot="5400000">
-            <a:off x="8951573" y="3225297"/>
-            <a:ext cx="3859795" cy="304801"/>
-          </a:xfrm>
-          <a:prstGeom prst="rect">
-            <a:avLst/>
-          </a:prstGeom>
-        </p:spPr>
-        <p:txBody>
-          <a:bodyPr vert="horz" lIns="91440" tIns="45720" rIns="91440" bIns="45720" rtlCol="0" anchor="b"/>
-          <a:lstStyle>
-            <a:lvl1pPr algn="l">
-              <a:defRPr sz="1100" b="0" i="0">
-                <a:solidFill>
-                  <a:schemeClr val="tx1">
-                    <a:tint val="75000"/>
-                    <a:alpha val="60000"/>
-                  </a:schemeClr>
-                </a:solidFill>
-              </a:defRPr>
-            </a:lvl1pPr>
-          </a:lstStyle>
-          <a:p>
-            <a:endParaRPr lang="en-US"/>
-          </a:p>
-        </p:txBody>
-      </p:sp>
-      <p:sp>
-        <p:nvSpPr>
-          <p:cNvPr id="6" name="Slide Number Placeholder 5"/>
-          <p:cNvSpPr>
-            <a:spLocks noGrp="1"/>
-          </p:cNvSpPr>
-          <p:nvPr>
-            <p:ph type="sldNum" sz="quarter" idx="4"/>
-          </p:nvPr>
-        </p:nvSpPr>
-        <p:spPr bwMode="gray">
-          <a:xfrm>
-            <a:off x="10352540" y="295729"/>
-            <a:ext cx="838199" cy="767687"/>
-          </a:xfrm>
-          <a:prstGeom prst="rect">
-            <a:avLst/>
-          </a:prstGeom>
-        </p:spPr>
-        <p:txBody>
-          <a:bodyPr vert="horz" lIns="91440" tIns="45720" rIns="91440" bIns="45720" rtlCol="0" anchor="b"/>
-          <a:lstStyle>
-            <a:lvl1pPr algn="ctr">
-              <a:defRPr sz="2800" b="0" i="0">
-                <a:solidFill>
-                  <a:schemeClr val="tx1">
-                    <a:tint val="75000"/>
-                  </a:schemeClr>
-                </a:solidFill>
-              </a:defRPr>
-            </a:lvl1pPr>
-          </a:lstStyle>
-          <a:p>
             <a:fld id="{F080C301-BE3A-44DF-A8F2-4D0CD7E2EB16}" type="slidenum">
               <a:rPr lang="en-US" smtClean="0"/>
               <a:t>‹#›</a:t>
@@ -5658,44 +5451,60 @@
     </p:spTree>
     <p:extLst>
       <p:ext uri="{BB962C8B-B14F-4D97-AF65-F5344CB8AC3E}">
-        <p14:creationId xmlns:p14="http://schemas.microsoft.com/office/powerpoint/2010/main" val="225190543"/>
+        <p14:creationId xmlns:p14="http://schemas.microsoft.com/office/powerpoint/2010/main" val="3755427734"/>
       </p:ext>
     </p:extLst>
   </p:cSld>
   <p:clrMap bg1="dk1" tx1="lt1" bg2="dk2" tx2="lt2" accent1="accent1" accent2="accent2" accent3="accent3" accent4="accent4" accent5="accent5" accent6="accent6" hlink="hlink" folHlink="folHlink"/>
   <p:sldLayoutIdLst>
-    <p:sldLayoutId id="2147483673" r:id="rId1"/>
-    <p:sldLayoutId id="2147483674" r:id="rId2"/>
-    <p:sldLayoutId id="2147483675" r:id="rId3"/>
-    <p:sldLayoutId id="2147483676" r:id="rId4"/>
-    <p:sldLayoutId id="2147483677" r:id="rId5"/>
-    <p:sldLayoutId id="2147483678" r:id="rId6"/>
-    <p:sldLayoutId id="2147483679" r:id="rId7"/>
-    <p:sldLayoutId id="2147483680" r:id="rId8"/>
-    <p:sldLayoutId id="2147483681" r:id="rId9"/>
-    <p:sldLayoutId id="2147483682" r:id="rId10"/>
-    <p:sldLayoutId id="2147483683" r:id="rId11"/>
-    <p:sldLayoutId id="2147483684" r:id="rId12"/>
-    <p:sldLayoutId id="2147483685" r:id="rId13"/>
-    <p:sldLayoutId id="2147483686" r:id="rId14"/>
-    <p:sldLayoutId id="2147483687" r:id="rId15"/>
-    <p:sldLayoutId id="2147483688" r:id="rId16"/>
-    <p:sldLayoutId id="2147483689" r:id="rId17"/>
+    <p:sldLayoutId id="2147483709" r:id="rId1"/>
+    <p:sldLayoutId id="2147483710" r:id="rId2"/>
+    <p:sldLayoutId id="2147483711" r:id="rId3"/>
+    <p:sldLayoutId id="2147483712" r:id="rId4"/>
+    <p:sldLayoutId id="2147483713" r:id="rId5"/>
+    <p:sldLayoutId id="2147483714" r:id="rId6"/>
+    <p:sldLayoutId id="2147483715" r:id="rId7"/>
+    <p:sldLayoutId id="2147483716" r:id="rId8"/>
+    <p:sldLayoutId id="2147483717" r:id="rId9"/>
+    <p:sldLayoutId id="2147483718" r:id="rId10"/>
+    <p:sldLayoutId id="2147483719" r:id="rId11"/>
+    <p:sldLayoutId id="2147483720" r:id="rId12"/>
+    <p:sldLayoutId id="2147483721" r:id="rId13"/>
+    <p:sldLayoutId id="2147483722" r:id="rId14"/>
+    <p:sldLayoutId id="2147483723" r:id="rId15"/>
+    <p:sldLayoutId id="2147483724" r:id="rId16"/>
+    <p:sldLayoutId id="2147483725" r:id="rId17"/>
   </p:sldLayoutIdLst>
   <p:txStyles>
     <p:titleStyle>
-      <a:lvl1pPr algn="l" defTabSz="457200" rtl="0" eaLnBrk="1" latinLnBrk="0" hangingPunct="1">
+      <a:lvl1pPr algn="ctr" defTabSz="457200" rtl="0" eaLnBrk="1" latinLnBrk="0" hangingPunct="1">
         <a:spcBef>
           <a:spcPct val="0"/>
         </a:spcBef>
         <a:buNone/>
-        <a:defRPr sz="4200" b="0" i="0" kern="1200">
+        <a:defRPr sz="4000" kern="1200">
+          <a:ln>
+            <a:solidFill>
+              <a:schemeClr val="bg1">
+                <a:lumMod val="75000"/>
+                <a:lumOff val="25000"/>
+                <a:alpha val="10000"/>
+              </a:schemeClr>
+            </a:solidFill>
+          </a:ln>
           <a:solidFill>
             <a:schemeClr val="tx2"/>
           </a:solidFill>
+          <a:effectLst>
+            <a:outerShdw blurRad="9525" dist="25400" dir="14640000" algn="tl" rotWithShape="0">
+              <a:schemeClr val="bg1">
+                <a:alpha val="30000"/>
+              </a:schemeClr>
+            </a:outerShdw>
+          </a:effectLst>
           <a:latin typeface="+mj-lt"/>
           <a:ea typeface="+mj-ea"/>
-          <a:cs typeface="+mj-cs"/>
+          <a:cs typeface="Trebuchet MS"/>
         </a:defRPr>
       </a:lvl1pPr>
       <a:lvl2pPr eaLnBrk="1" hangingPunct="1">
@@ -5756,229 +5565,346 @@
       </a:lvl9pPr>
     </p:titleStyle>
     <p:bodyStyle>
-      <a:lvl1pPr marL="342900" indent="-342900" algn="l" defTabSz="457200" rtl="0" eaLnBrk="1" latinLnBrk="0" hangingPunct="1">
+      <a:lvl1pPr marL="342900" indent="-306000" algn="l" defTabSz="457200" rtl="0" eaLnBrk="1" latinLnBrk="0" hangingPunct="1">
         <a:spcBef>
-          <a:spcPts val="1000"/>
+          <a:spcPct val="20000"/>
         </a:spcBef>
         <a:spcAft>
-          <a:spcPts val="0"/>
+          <a:spcPts val="600"/>
         </a:spcAft>
         <a:buClr>
-          <a:schemeClr val="bg2">
-            <a:lumMod val="40000"/>
-            <a:lumOff val="60000"/>
-          </a:schemeClr>
+          <a:schemeClr val="tx2"/>
         </a:buClr>
-        <a:buSzPct val="80000"/>
-        <a:buFont typeface="Wingdings 3" charset="2"/>
-        <a:buChar char=""/>
-        <a:defRPr sz="2000" b="0" i="0" kern="1200">
+        <a:buSzPct val="70000"/>
+        <a:buFont typeface="Wingdings 2" charset="2"/>
+        <a:buChar char=""/>
+        <a:defRPr sz="2000" kern="1200">
+          <a:ln>
+            <a:solidFill>
+              <a:schemeClr val="bg1">
+                <a:lumMod val="75000"/>
+                <a:lumOff val="25000"/>
+                <a:alpha val="10000"/>
+              </a:schemeClr>
+            </a:solidFill>
+          </a:ln>
           <a:solidFill>
-            <a:schemeClr val="tx1"/>
+            <a:schemeClr val="tx2"/>
           </a:solidFill>
-          <a:latin typeface="+mj-lt"/>
-          <a:ea typeface="+mj-ea"/>
-          <a:cs typeface="+mj-cs"/>
+          <a:effectLst>
+            <a:outerShdw blurRad="9525" dist="25400" dir="14640000" algn="tl" rotWithShape="0">
+              <a:schemeClr val="bg1">
+                <a:alpha val="30000"/>
+              </a:schemeClr>
+            </a:outerShdw>
+          </a:effectLst>
+          <a:latin typeface="+mn-lt"/>
+          <a:ea typeface="+mn-ea"/>
+          <a:cs typeface="+mn-cs"/>
         </a:defRPr>
       </a:lvl1pPr>
-      <a:lvl2pPr marL="742950" indent="-285750" algn="l" defTabSz="457200" rtl="0" eaLnBrk="1" latinLnBrk="0" hangingPunct="1">
+      <a:lvl2pPr marL="720000" indent="-270000" algn="l" defTabSz="457200" rtl="0" eaLnBrk="1" latinLnBrk="0" hangingPunct="1">
         <a:spcBef>
-          <a:spcPts val="1000"/>
+          <a:spcPct val="20000"/>
         </a:spcBef>
         <a:spcAft>
-          <a:spcPts val="0"/>
+          <a:spcPts val="600"/>
         </a:spcAft>
         <a:buClr>
-          <a:schemeClr val="bg2">
-            <a:lumMod val="40000"/>
-            <a:lumOff val="60000"/>
-          </a:schemeClr>
+          <a:schemeClr val="tx2"/>
         </a:buClr>
-        <a:buSzPct val="80000"/>
-        <a:buFont typeface="Wingdings 3" charset="2"/>
-        <a:buChar char=""/>
-        <a:defRPr sz="1800" b="0" i="0" kern="1200">
+        <a:buSzPct val="70000"/>
+        <a:buFont typeface="Wingdings 2" charset="2"/>
+        <a:buChar char=""/>
+        <a:defRPr sz="1800" kern="1200">
+          <a:ln>
+            <a:solidFill>
+              <a:schemeClr val="bg1">
+                <a:lumMod val="75000"/>
+                <a:lumOff val="25000"/>
+                <a:alpha val="10000"/>
+              </a:schemeClr>
+            </a:solidFill>
+          </a:ln>
           <a:solidFill>
-            <a:schemeClr val="tx1"/>
+            <a:schemeClr val="tx2"/>
           </a:solidFill>
-          <a:latin typeface="+mj-lt"/>
-          <a:ea typeface="+mj-ea"/>
-          <a:cs typeface="+mj-cs"/>
+          <a:effectLst>
+            <a:outerShdw blurRad="9525" dist="25400" dir="14640000" algn="tl" rotWithShape="0">
+              <a:schemeClr val="bg1">
+                <a:alpha val="30000"/>
+              </a:schemeClr>
+            </a:outerShdw>
+          </a:effectLst>
+          <a:latin typeface="+mn-lt"/>
+          <a:ea typeface="+mn-ea"/>
+          <a:cs typeface="+mn-cs"/>
         </a:defRPr>
       </a:lvl2pPr>
-      <a:lvl3pPr marL="1143000" indent="-228600" algn="l" defTabSz="457200" rtl="0" eaLnBrk="1" latinLnBrk="0" hangingPunct="1">
+      <a:lvl3pPr marL="1026000" indent="-216000" algn="l" defTabSz="457200" rtl="0" eaLnBrk="1" latinLnBrk="0" hangingPunct="1">
         <a:spcBef>
-          <a:spcPts val="1000"/>
+          <a:spcPct val="20000"/>
         </a:spcBef>
         <a:spcAft>
-          <a:spcPts val="0"/>
+          <a:spcPts val="600"/>
         </a:spcAft>
         <a:buClr>
-          <a:schemeClr val="bg2">
-            <a:lumMod val="40000"/>
-            <a:lumOff val="60000"/>
-          </a:schemeClr>
+          <a:schemeClr val="tx2"/>
         </a:buClr>
-        <a:buSzPct val="80000"/>
-        <a:buFont typeface="Wingdings 3" charset="2"/>
-        <a:buChar char=""/>
-        <a:defRPr sz="1600" b="0" i="0" kern="1200">
+        <a:buSzPct val="70000"/>
+        <a:buFont typeface="Wingdings 2" charset="2"/>
+        <a:buChar char=""/>
+        <a:defRPr sz="1600" kern="1200">
+          <a:ln>
+            <a:solidFill>
+              <a:schemeClr val="bg1">
+                <a:lumMod val="75000"/>
+                <a:lumOff val="25000"/>
+                <a:alpha val="10000"/>
+              </a:schemeClr>
+            </a:solidFill>
+          </a:ln>
           <a:solidFill>
-            <a:schemeClr val="tx1"/>
+            <a:schemeClr val="tx2"/>
           </a:solidFill>
-          <a:latin typeface="+mj-lt"/>
-          <a:ea typeface="+mj-ea"/>
-          <a:cs typeface="+mj-cs"/>
+          <a:effectLst>
+            <a:outerShdw blurRad="9525" dist="25400" dir="14640000" algn="tl" rotWithShape="0">
+              <a:schemeClr val="bg1">
+                <a:alpha val="30000"/>
+              </a:schemeClr>
+            </a:outerShdw>
+          </a:effectLst>
+          <a:latin typeface="+mn-lt"/>
+          <a:ea typeface="+mn-ea"/>
+          <a:cs typeface="+mn-cs"/>
         </a:defRPr>
       </a:lvl3pPr>
-      <a:lvl4pPr marL="1600200" indent="-228600" algn="l" defTabSz="457200" rtl="0" eaLnBrk="1" latinLnBrk="0" hangingPunct="1">
+      <a:lvl4pPr marL="1386000" indent="-216000" algn="l" defTabSz="457200" rtl="0" eaLnBrk="1" latinLnBrk="0" hangingPunct="1">
         <a:spcBef>
-          <a:spcPts val="1000"/>
+          <a:spcPct val="20000"/>
         </a:spcBef>
         <a:spcAft>
-          <a:spcPts val="0"/>
+          <a:spcPts val="600"/>
         </a:spcAft>
         <a:buClr>
-          <a:schemeClr val="bg2">
-            <a:lumMod val="40000"/>
-            <a:lumOff val="60000"/>
-          </a:schemeClr>
+          <a:schemeClr val="tx2"/>
         </a:buClr>
-        <a:buSzPct val="80000"/>
-        <a:buFont typeface="Wingdings 3" charset="2"/>
-        <a:buChar char=""/>
-        <a:defRPr sz="1400" b="0" i="0" kern="1200">
+        <a:buSzPct val="70000"/>
+        <a:buFont typeface="Wingdings 2" charset="2"/>
+        <a:buChar char=""/>
+        <a:defRPr sz="1400" kern="1200">
+          <a:ln>
+            <a:solidFill>
+              <a:schemeClr val="bg1">
+                <a:lumMod val="75000"/>
+                <a:lumOff val="25000"/>
+                <a:alpha val="10000"/>
+              </a:schemeClr>
+            </a:solidFill>
+          </a:ln>
           <a:solidFill>
-            <a:schemeClr val="tx1"/>
+            <a:schemeClr val="tx2"/>
           </a:solidFill>
-          <a:latin typeface="+mj-lt"/>
-          <a:ea typeface="+mj-ea"/>
-          <a:cs typeface="+mj-cs"/>
+          <a:effectLst>
+            <a:outerShdw blurRad="9525" dist="25400" dir="14640000" algn="tl" rotWithShape="0">
+              <a:schemeClr val="bg1">
+                <a:alpha val="30000"/>
+              </a:schemeClr>
+            </a:outerShdw>
+          </a:effectLst>
+          <a:latin typeface="+mn-lt"/>
+          <a:ea typeface="+mn-ea"/>
+          <a:cs typeface="+mn-cs"/>
         </a:defRPr>
       </a:lvl4pPr>
-      <a:lvl5pPr marL="2057400" indent="-228600" algn="l" defTabSz="457200" rtl="0" eaLnBrk="1" latinLnBrk="0" hangingPunct="1">
+      <a:lvl5pPr marL="1674000" indent="-216000" algn="l" defTabSz="457200" rtl="0" eaLnBrk="1" latinLnBrk="0" hangingPunct="1">
         <a:spcBef>
-          <a:spcPts val="1000"/>
+          <a:spcPct val="20000"/>
         </a:spcBef>
         <a:spcAft>
-          <a:spcPts val="0"/>
+          <a:spcPts val="600"/>
         </a:spcAft>
         <a:buClr>
-          <a:schemeClr val="bg2">
-            <a:lumMod val="40000"/>
-            <a:lumOff val="60000"/>
-          </a:schemeClr>
+          <a:schemeClr val="tx2"/>
         </a:buClr>
-        <a:buSzPct val="80000"/>
-        <a:buFont typeface="Wingdings 3" charset="2"/>
-        <a:buChar char=""/>
-        <a:defRPr sz="1400" b="0" i="0" kern="1200">
+        <a:buSzPct val="70000"/>
+        <a:buFont typeface="Wingdings 2" charset="2"/>
+        <a:buChar char=""/>
+        <a:defRPr sz="1400" kern="1200">
+          <a:ln>
+            <a:solidFill>
+              <a:schemeClr val="bg1">
+                <a:lumMod val="75000"/>
+                <a:lumOff val="25000"/>
+                <a:alpha val="10000"/>
+              </a:schemeClr>
+            </a:solidFill>
+          </a:ln>
           <a:solidFill>
-            <a:schemeClr val="tx1"/>
+            <a:schemeClr val="tx2"/>
           </a:solidFill>
-          <a:latin typeface="+mj-lt"/>
-          <a:ea typeface="+mj-ea"/>
-          <a:cs typeface="+mj-cs"/>
+          <a:effectLst>
+            <a:outerShdw blurRad="9525" dist="25400" dir="14640000" algn="tl" rotWithShape="0">
+              <a:schemeClr val="bg1">
+                <a:alpha val="30000"/>
+              </a:schemeClr>
+            </a:outerShdw>
+          </a:effectLst>
+          <a:latin typeface="+mn-lt"/>
+          <a:ea typeface="+mn-ea"/>
+          <a:cs typeface="+mn-cs"/>
         </a:defRPr>
       </a:lvl5pPr>
-      <a:lvl6pPr marL="2506000" indent="-228600" algn="l" defTabSz="457200" rtl="0" eaLnBrk="1" latinLnBrk="0" hangingPunct="1">
+      <a:lvl6pPr marL="2014600" indent="-228600" algn="l" defTabSz="457200" rtl="0" eaLnBrk="1" latinLnBrk="0" hangingPunct="1">
         <a:spcBef>
-          <a:spcPts val="1000"/>
+          <a:spcPct val="20000"/>
         </a:spcBef>
         <a:spcAft>
-          <a:spcPts val="0"/>
+          <a:spcPts val="600"/>
         </a:spcAft>
         <a:buClr>
-          <a:schemeClr val="bg2">
-            <a:lumMod val="40000"/>
-            <a:lumOff val="60000"/>
-          </a:schemeClr>
+          <a:schemeClr val="tx2"/>
         </a:buClr>
-        <a:buSzPct val="80000"/>
-        <a:buFont typeface="Wingdings 3" charset="2"/>
-        <a:buChar char=""/>
-        <a:defRPr sz="1400" b="0" i="0" kern="1200">
+        <a:buSzPct val="70000"/>
+        <a:buFont typeface="Wingdings 2" charset="2"/>
+        <a:buChar char=""/>
+        <a:defRPr sz="1400" kern="1200">
+          <a:ln>
+            <a:solidFill>
+              <a:schemeClr val="bg1">
+                <a:lumMod val="75000"/>
+                <a:lumOff val="25000"/>
+                <a:alpha val="10000"/>
+              </a:schemeClr>
+            </a:solidFill>
+          </a:ln>
           <a:solidFill>
-            <a:schemeClr val="tx1"/>
+            <a:schemeClr val="tx2"/>
           </a:solidFill>
-          <a:latin typeface="+mj-lt"/>
-          <a:ea typeface="+mj-ea"/>
-          <a:cs typeface="+mj-cs"/>
+          <a:effectLst>
+            <a:outerShdw blurRad="9525" dist="25400" dir="14640000" algn="tl" rotWithShape="0">
+              <a:schemeClr val="bg1">
+                <a:alpha val="30000"/>
+              </a:schemeClr>
+            </a:outerShdw>
+          </a:effectLst>
+          <a:latin typeface="+mn-lt"/>
+          <a:ea typeface="+mn-ea"/>
+          <a:cs typeface="+mn-cs"/>
         </a:defRPr>
       </a:lvl6pPr>
-      <a:lvl7pPr marL="2971800" indent="-228600" algn="l" defTabSz="457200" rtl="0" eaLnBrk="1" latinLnBrk="0" hangingPunct="1">
+      <a:lvl7pPr marL="2401800" indent="-228600" algn="l" defTabSz="457200" rtl="0" eaLnBrk="1" latinLnBrk="0" hangingPunct="1">
         <a:spcBef>
-          <a:spcPts val="1000"/>
+          <a:spcPct val="20000"/>
         </a:spcBef>
         <a:spcAft>
-          <a:spcPts val="0"/>
+          <a:spcPts val="600"/>
         </a:spcAft>
         <a:buClr>
-          <a:schemeClr val="bg2">
-            <a:lumMod val="40000"/>
-            <a:lumOff val="60000"/>
-          </a:schemeClr>
+          <a:schemeClr val="tx2"/>
         </a:buClr>
-        <a:buSzPct val="80000"/>
-        <a:buFont typeface="Wingdings 3" charset="2"/>
-        <a:buChar char=""/>
-        <a:defRPr sz="1400" b="0" i="0" kern="1200">
+        <a:buSzPct val="70000"/>
+        <a:buFont typeface="Wingdings 2" charset="2"/>
+        <a:buChar char=""/>
+        <a:defRPr sz="1400" kern="1200">
+          <a:ln>
+            <a:solidFill>
+              <a:schemeClr val="bg1">
+                <a:lumMod val="75000"/>
+                <a:lumOff val="25000"/>
+                <a:alpha val="10000"/>
+              </a:schemeClr>
+            </a:solidFill>
+          </a:ln>
           <a:solidFill>
-            <a:schemeClr val="tx1"/>
+            <a:schemeClr val="tx2"/>
           </a:solidFill>
-          <a:latin typeface="+mj-lt"/>
-          <a:ea typeface="+mj-ea"/>
-          <a:cs typeface="+mj-cs"/>
+          <a:effectLst>
+            <a:outerShdw blurRad="9525" dist="25400" dir="14640000" algn="tl" rotWithShape="0">
+              <a:schemeClr val="bg1">
+                <a:alpha val="30000"/>
+              </a:schemeClr>
+            </a:outerShdw>
+          </a:effectLst>
+          <a:latin typeface="+mn-lt"/>
+          <a:ea typeface="+mn-ea"/>
+          <a:cs typeface="+mn-cs"/>
         </a:defRPr>
       </a:lvl7pPr>
-      <a:lvl8pPr marL="3429000" indent="-228600" algn="l" defTabSz="457200" rtl="0" eaLnBrk="1" latinLnBrk="0" hangingPunct="1">
+      <a:lvl8pPr marL="2789000" indent="-228600" algn="l" defTabSz="457200" rtl="0" eaLnBrk="1" latinLnBrk="0" hangingPunct="1">
         <a:spcBef>
-          <a:spcPts val="1000"/>
+          <a:spcPct val="20000"/>
         </a:spcBef>
         <a:spcAft>
-          <a:spcPts val="0"/>
+          <a:spcPts val="600"/>
         </a:spcAft>
         <a:buClr>
-          <a:schemeClr val="bg2">
-            <a:lumMod val="40000"/>
-            <a:lumOff val="60000"/>
-          </a:schemeClr>
+          <a:schemeClr val="tx2"/>
         </a:buClr>
-        <a:buSzPct val="80000"/>
-        <a:buFont typeface="Wingdings 3" charset="2"/>
-        <a:buChar char=""/>
-        <a:defRPr sz="1400" b="0" i="0" kern="1200">
+        <a:buSzPct val="70000"/>
+        <a:buFont typeface="Wingdings 2" charset="2"/>
+        <a:buChar char=""/>
+        <a:defRPr sz="1400" kern="1200">
+          <a:ln>
+            <a:solidFill>
+              <a:schemeClr val="bg1">
+                <a:lumMod val="75000"/>
+                <a:lumOff val="25000"/>
+                <a:alpha val="10000"/>
+              </a:schemeClr>
+            </a:solidFill>
+          </a:ln>
           <a:solidFill>
-            <a:schemeClr val="tx1"/>
+            <a:schemeClr val="tx2"/>
           </a:solidFill>
-          <a:latin typeface="+mj-lt"/>
-          <a:ea typeface="+mj-ea"/>
-          <a:cs typeface="+mj-cs"/>
+          <a:effectLst>
+            <a:outerShdw blurRad="9525" dist="25400" dir="14640000" algn="tl" rotWithShape="0">
+              <a:schemeClr val="bg1">
+                <a:alpha val="30000"/>
+              </a:schemeClr>
+            </a:outerShdw>
+          </a:effectLst>
+          <a:latin typeface="+mn-lt"/>
+          <a:ea typeface="+mn-ea"/>
+          <a:cs typeface="+mn-cs"/>
         </a:defRPr>
       </a:lvl8pPr>
-      <a:lvl9pPr marL="3886200" indent="-228600" algn="l" defTabSz="457200" rtl="0" eaLnBrk="1" latinLnBrk="0" hangingPunct="1">
+      <a:lvl9pPr marL="3106200" indent="-228600" algn="l" defTabSz="457200" rtl="0" eaLnBrk="1" latinLnBrk="0" hangingPunct="1">
         <a:spcBef>
-          <a:spcPts val="1000"/>
+          <a:spcPct val="20000"/>
         </a:spcBef>
         <a:spcAft>
-          <a:spcPts val="0"/>
+          <a:spcPts val="600"/>
         </a:spcAft>
         <a:buClr>
-          <a:schemeClr val="bg2">
-            <a:lumMod val="40000"/>
-            <a:lumOff val="60000"/>
-          </a:schemeClr>
+          <a:schemeClr val="tx2"/>
         </a:buClr>
-        <a:buSzPct val="80000"/>
-        <a:buFont typeface="Wingdings 3" charset="2"/>
-        <a:buChar char=""/>
-        <a:defRPr sz="1400" b="0" i="0" kern="1200">
+        <a:buSzPct val="70000"/>
+        <a:buFont typeface="Wingdings 2" charset="2"/>
+        <a:buChar char=""/>
+        <a:defRPr sz="1400" kern="1200">
+          <a:ln>
+            <a:solidFill>
+              <a:schemeClr val="bg1">
+                <a:lumMod val="75000"/>
+                <a:lumOff val="25000"/>
+                <a:alpha val="10000"/>
+              </a:schemeClr>
+            </a:solidFill>
+          </a:ln>
           <a:solidFill>
-            <a:schemeClr val="tx1"/>
+            <a:schemeClr val="tx2"/>
           </a:solidFill>
-          <a:latin typeface="+mj-lt"/>
-          <a:ea typeface="+mj-ea"/>
-          <a:cs typeface="+mj-cs"/>
+          <a:effectLst>
+            <a:outerShdw blurRad="9525" dist="25400" dir="14640000" algn="tl" rotWithShape="0">
+              <a:schemeClr val="bg1">
+                <a:alpha val="30000"/>
+              </a:schemeClr>
+            </a:outerShdw>
+          </a:effectLst>
+          <a:latin typeface="+mn-lt"/>
+          <a:ea typeface="+mn-ea"/>
+          <a:cs typeface="+mn-cs"/>
         </a:defRPr>
       </a:lvl9pPr>
     </p:bodyStyle>
@@ -6082,7 +6008,7 @@
 </file>
 
 <file path=ppt/slides/slide1.xml><?xml version="1.0" encoding="utf-8"?>
-<p:sld xmlns:a="http://schemas.openxmlformats.org/drawingml/2006/main" xmlns:r="http://schemas.openxmlformats.org/officeDocument/2006/relationships" xmlns:p="http://schemas.openxmlformats.org/presentationml/2006/main">
+<p:sld xmlns:a="http://schemas.openxmlformats.org/drawingml/2006/main" xmlns:p="http://schemas.openxmlformats.org/presentationml/2006/main" xmlns:r="http://schemas.openxmlformats.org/officeDocument/2006/relationships">
   <p:cSld>
     <p:spTree>
       <p:nvGrpSpPr>
@@ -6090,14 +6016,7 @@
         <p:cNvGrpSpPr/>
         <p:nvPr/>
       </p:nvGrpSpPr>
-      <p:grpSpPr>
-        <a:xfrm>
-          <a:off x="0" y="0"/>
-          <a:ext cx="0" cy="0"/>
-          <a:chOff x="0" y="0"/>
-          <a:chExt cx="0" cy="0"/>
-        </a:xfrm>
-      </p:grpSpPr>
+      <p:grpSpPr/>
       <p:sp>
         <p:nvSpPr>
           <p:cNvPr id="2" name="Title 1"/>
@@ -6105,43 +6024,61 @@
             <a:spLocks noGrp="1"/>
           </p:cNvSpPr>
           <p:nvPr>
-            <p:ph type="ctrTitle"/>
-          </p:nvPr>
-        </p:nvSpPr>
-        <p:spPr/>
-        <p:txBody>
-          <a:bodyPr/>
-          <a:lstStyle/>
-          <a:p>
-            <a:endParaRPr lang="en-US"/>
-          </a:p>
-        </p:txBody>
-      </p:sp>
-      <p:sp>
-        <p:nvSpPr>
-          <p:cNvPr id="3" name="Subtitle 2"/>
-          <p:cNvSpPr>
-            <a:spLocks noGrp="1"/>
-          </p:cNvSpPr>
-          <p:nvPr>
-            <p:ph type="subTitle" idx="1"/>
-          </p:nvPr>
-        </p:nvSpPr>
-        <p:spPr/>
-        <p:txBody>
-          <a:bodyPr/>
-          <a:lstStyle/>
-          <a:p>
-            <a:endParaRPr lang="en-US"/>
-          </a:p>
+            <p:ph type="title"/>
+          </p:nvPr>
+        </p:nvSpPr>
+        <p:spPr/>
+        <p:txBody>
+          <a:bodyPr/>
+          <a:lstStyle/>
+          <a:p>
+            <a:r>
+              <a:rPr sz="4500">
+                <a:solidFill>
+                  <a:srgbClr val="FFFFFF"/>
+                </a:solidFill>
+                <a:latin typeface="Times New Roman"/>
+              </a:rPr>
+              <a:t>Heart Attack</a:t>
+            </a:r>
+          </a:p>
+        </p:txBody>
+      </p:sp>
+      <p:sp>
+        <p:nvSpPr>
+          <p:cNvPr id="3" name="Content Placeholder 2"/>
+          <p:cNvSpPr>
+            <a:spLocks noGrp="1"/>
+          </p:cNvSpPr>
+          <p:nvPr>
+            <p:ph idx="1"/>
+          </p:nvPr>
+        </p:nvSpPr>
+        <p:spPr/>
+        <p:txBody>
+          <a:bodyPr/>
+          <a:lstStyle/>
+          <a:p/>
+        </p:txBody>
+      </p:sp>
+      <p:sp>
+        <p:nvSpPr>
+          <p:cNvPr id="4" name="Text Placeholder 3"/>
+          <p:cNvSpPr>
+            <a:spLocks noGrp="1"/>
+          </p:cNvSpPr>
+          <p:nvPr>
+            <p:ph type="body" idx="2" sz="half"/>
+          </p:nvPr>
+        </p:nvSpPr>
+        <p:spPr/>
+        <p:txBody>
+          <a:bodyPr/>
+          <a:lstStyle/>
+          <a:p/>
         </p:txBody>
       </p:sp>
     </p:spTree>
-    <p:extLst>
-      <p:ext uri="{BB962C8B-B14F-4D97-AF65-F5344CB8AC3E}">
-        <p14:creationId xmlns:p14="http://schemas.microsoft.com/office/powerpoint/2010/main" val="3961024749"/>
-      </p:ext>
-    </p:extLst>
   </p:cSld>
   <p:clrMapOvr>
     <a:masterClrMapping/>
@@ -6166,34 +6103,61 @@
             <a:spLocks noGrp="1"/>
           </p:cNvSpPr>
           <p:nvPr>
-            <p:ph type="ctrTitle"/>
-          </p:nvPr>
-        </p:nvSpPr>
-        <p:spPr/>
-        <p:txBody>
-          <a:bodyPr/>
-          <a:lstStyle/>
-          <a:p>
-            <a:r>
-              <a:rPr sz="4500">
+            <p:ph type="title"/>
+          </p:nvPr>
+        </p:nvSpPr>
+        <p:spPr/>
+        <p:txBody>
+          <a:bodyPr/>
+          <a:lstStyle/>
+          <a:p>
+            <a:r>
+              <a:rPr sz="2000">
                 <a:solidFill>
                   <a:srgbClr val="FFFFFF"/>
                 </a:solidFill>
                 <a:latin typeface="Times New Roman"/>
               </a:rPr>
-              <a:t>Heart Attack</a:t>
-            </a:r>
-          </a:p>
-        </p:txBody>
-      </p:sp>
-      <p:sp>
-        <p:nvSpPr>
-          <p:cNvPr id="3" name="Subtitle 2"/>
-          <p:cNvSpPr>
-            <a:spLocks noGrp="1"/>
-          </p:cNvSpPr>
-          <p:nvPr>
-            <p:ph type="subTitle" idx="1"/>
+              <a:t>Understanding Heart Attacks</a:t>
+            </a:r>
+          </a:p>
+        </p:txBody>
+      </p:sp>
+      <p:sp>
+        <p:nvSpPr>
+          <p:cNvPr id="3" name="Content Placeholder 2"/>
+          <p:cNvSpPr>
+            <a:spLocks noGrp="1"/>
+          </p:cNvSpPr>
+          <p:nvPr>
+            <p:ph idx="1"/>
+          </p:nvPr>
+        </p:nvSpPr>
+        <p:spPr/>
+        <p:txBody>
+          <a:bodyPr/>
+          <a:lstStyle/>
+          <a:p>
+            <a:r>
+              <a:rPr sz="1500">
+                <a:solidFill>
+                  <a:srgbClr val="FFFFFF"/>
+                </a:solidFill>
+                <a:latin typeface="Times New Roman"/>
+              </a:rPr>
+              <a:t>Welcome, medical students! Today, we embark on a comprehensive exploration of heart attacks, a critical cardiovascular event with far-reaching implications.</a:t>
+            </a:r>
+          </a:p>
+        </p:txBody>
+      </p:sp>
+      <p:sp>
+        <p:nvSpPr>
+          <p:cNvPr id="4" name="Text Placeholder 3"/>
+          <p:cNvSpPr>
+            <a:spLocks noGrp="1"/>
+          </p:cNvSpPr>
+          <p:nvPr>
+            <p:ph type="body" idx="2" sz="half"/>
           </p:nvPr>
         </p:nvSpPr>
         <p:spPr/>
@@ -6237,13 +6201,13 @@
           <a:lstStyle/>
           <a:p>
             <a:r>
-              <a:rPr sz="2400">
+              <a:rPr sz="2000">
                 <a:solidFill>
                   <a:srgbClr val="FFFFFF"/>
                 </a:solidFill>
                 <a:latin typeface="Times New Roman"/>
               </a:rPr>
-              <a:t>Heart Attacks: An Introduction</a:t>
+              <a:t>Definition and Pathophysiology</a:t>
             </a:r>
           </a:p>
         </p:txBody>
@@ -6264,15 +6228,32 @@
           <a:lstStyle/>
           <a:p>
             <a:r>
-              <a:rPr sz="1800">
+              <a:rPr sz="1500">
                 <a:solidFill>
                   <a:srgbClr val="FFFFFF"/>
                 </a:solidFill>
                 <a:latin typeface="Times New Roman"/>
               </a:rPr>
-              <a:t>A heart attack occurs when blood flow decreases or stops to a part of the heart, causing damage to the heart muscle. The most common cause of a heart attack is a blood clot that blocks one of the coronary arteries. Coronary arteries are the blood vessels that supply oxygen-rich blood to the heart muscle.</a:t>
-            </a:r>
-          </a:p>
+              <a:t>A heart attack, also known as myocardial infarction, occurs when blood flow to a portion of the heart becomes blocked, usually by a blood clot forming in a narrowed coronary artery. This blockage deprives the heart muscle of oxygen and nutrients, leading to tissue damage and potential long-term consequences.</a:t>
+            </a:r>
+          </a:p>
+        </p:txBody>
+      </p:sp>
+      <p:sp>
+        <p:nvSpPr>
+          <p:cNvPr id="4" name="Text Placeholder 3"/>
+          <p:cNvSpPr>
+            <a:spLocks noGrp="1"/>
+          </p:cNvSpPr>
+          <p:nvPr>
+            <p:ph type="body" idx="2" sz="half"/>
+          </p:nvPr>
+        </p:nvSpPr>
+        <p:spPr/>
+        <p:txBody>
+          <a:bodyPr/>
+          <a:lstStyle/>
+          <a:p/>
         </p:txBody>
       </p:sp>
     </p:spTree>
@@ -6309,13 +6290,13 @@
           <a:lstStyle/>
           <a:p>
             <a:r>
-              <a:rPr sz="2400">
+              <a:rPr sz="2000">
                 <a:solidFill>
                   <a:srgbClr val="FFFFFF"/>
                 </a:solidFill>
                 <a:latin typeface="Times New Roman"/>
               </a:rPr>
-              <a:t>Symptoms of a Heart Attack</a:t>
+              <a:t>Risk Factors and Prevention</a:t>
             </a:r>
           </a:p>
         </p:txBody>
@@ -6336,15 +6317,122 @@
           <a:lstStyle/>
           <a:p>
             <a:r>
-              <a:rPr sz="1800">
+              <a:rPr sz="1500">
                 <a:solidFill>
                   <a:srgbClr val="FFFFFF"/>
                 </a:solidFill>
                 <a:latin typeface="Times New Roman"/>
               </a:rPr>
-              <a:t>The most common symptom of a heart attack is chest pain or discomfort. The pain is often described as pressure, squeezing, or tightness. It may also feel like a burning or aching sensation. Other symptoms of a heart attack include:</a:t>
-            </a:r>
-          </a:p>
+              <a:t>Numerous factors contribute to the likelihood of experiencing a heart attack, including: </a:t>
+            </a:r>
+          </a:p>
+          <a:p/>
+          <a:p>
+            <a:r>
+              <a:rPr sz="1500">
+                <a:solidFill>
+                  <a:srgbClr val="FFFFFF"/>
+                </a:solidFill>
+                <a:latin typeface="Times New Roman"/>
+              </a:rPr>
+              <a:t>- High blood pressure</a:t>
+            </a:r>
+          </a:p>
+          <a:p>
+            <a:r>
+              <a:rPr sz="1500">
+                <a:solidFill>
+                  <a:srgbClr val="FFFFFF"/>
+                </a:solidFill>
+                <a:latin typeface="Times New Roman"/>
+              </a:rPr>
+              <a:t>- High cholesterol</a:t>
+            </a:r>
+          </a:p>
+          <a:p>
+            <a:r>
+              <a:rPr sz="1500">
+                <a:solidFill>
+                  <a:srgbClr val="FFFFFF"/>
+                </a:solidFill>
+                <a:latin typeface="Times New Roman"/>
+              </a:rPr>
+              <a:t>- Smoking</a:t>
+            </a:r>
+          </a:p>
+          <a:p>
+            <a:r>
+              <a:rPr sz="1500">
+                <a:solidFill>
+                  <a:srgbClr val="FFFFFF"/>
+                </a:solidFill>
+                <a:latin typeface="Times New Roman"/>
+              </a:rPr>
+              <a:t>- Diabetes</a:t>
+            </a:r>
+          </a:p>
+          <a:p>
+            <a:r>
+              <a:rPr sz="1500">
+                <a:solidFill>
+                  <a:srgbClr val="FFFFFF"/>
+                </a:solidFill>
+                <a:latin typeface="Times New Roman"/>
+              </a:rPr>
+              <a:t>- Obesity</a:t>
+            </a:r>
+          </a:p>
+          <a:p>
+            <a:r>
+              <a:rPr sz="1500">
+                <a:solidFill>
+                  <a:srgbClr val="FFFFFF"/>
+                </a:solidFill>
+                <a:latin typeface="Times New Roman"/>
+              </a:rPr>
+              <a:t>- Physical inactivity</a:t>
+            </a:r>
+          </a:p>
+          <a:p>
+            <a:r>
+              <a:rPr sz="1500">
+                <a:solidFill>
+                  <a:srgbClr val="FFFFFF"/>
+                </a:solidFill>
+                <a:latin typeface="Times New Roman"/>
+              </a:rPr>
+              <a:t>- Family history of heart disease</a:t>
+            </a:r>
+          </a:p>
+          <a:p/>
+          <a:p>
+            <a:r>
+              <a:rPr sz="1500">
+                <a:solidFill>
+                  <a:srgbClr val="FFFFFF"/>
+                </a:solidFill>
+                <a:latin typeface="Times New Roman"/>
+              </a:rPr>
+              <a:t>Adopting a heart-healthy lifestyle that incorporates regular exercise, a balanced diet, and stress management can significantly reduce the risk of heart attacks.</a:t>
+            </a:r>
+          </a:p>
+        </p:txBody>
+      </p:sp>
+      <p:sp>
+        <p:nvSpPr>
+          <p:cNvPr id="4" name="Text Placeholder 3"/>
+          <p:cNvSpPr>
+            <a:spLocks noGrp="1"/>
+          </p:cNvSpPr>
+          <p:nvPr>
+            <p:ph type="body" idx="2" sz="half"/>
+          </p:nvPr>
+        </p:nvSpPr>
+        <p:spPr/>
+        <p:txBody>
+          <a:bodyPr/>
+          <a:lstStyle/>
+          <a:p/>
         </p:txBody>
       </p:sp>
     </p:spTree>
@@ -6381,13 +6469,13 @@
           <a:lstStyle/>
           <a:p>
             <a:r>
-              <a:rPr sz="2400">
+              <a:rPr sz="2000">
                 <a:solidFill>
                   <a:srgbClr val="FFFFFF"/>
                 </a:solidFill>
                 <a:latin typeface="Times New Roman"/>
               </a:rPr>
-              <a:t>Risk Factors for a Heart Attack</a:t>
+              <a:t>Symptoms and Diagnosis</a:t>
             </a:r>
           </a:p>
         </p:txBody>
@@ -6408,15 +6496,89 @@
           <a:lstStyle/>
           <a:p>
             <a:r>
-              <a:rPr sz="1800">
+              <a:rPr sz="1500">
                 <a:solidFill>
                   <a:srgbClr val="FFFFFF"/>
                 </a:solidFill>
                 <a:latin typeface="Times New Roman"/>
               </a:rPr>
-              <a:t>There are a number of risk factors that can increase your chances of having a heart attack. These include:</a:t>
-            </a:r>
-          </a:p>
+              <a:t>The classic symptom of a heart attack is chest pain or discomfort. Other signs may include: </a:t>
+            </a:r>
+          </a:p>
+          <a:p/>
+          <a:p>
+            <a:r>
+              <a:rPr sz="1500">
+                <a:solidFill>
+                  <a:srgbClr val="FFFFFF"/>
+                </a:solidFill>
+                <a:latin typeface="Times New Roman"/>
+              </a:rPr>
+              <a:t>- Shortness of breath</a:t>
+            </a:r>
+          </a:p>
+          <a:p>
+            <a:r>
+              <a:rPr sz="1500">
+                <a:solidFill>
+                  <a:srgbClr val="FFFFFF"/>
+                </a:solidFill>
+                <a:latin typeface="Times New Roman"/>
+              </a:rPr>
+              <a:t>- Pain in the arms, neck, back, or jaw</a:t>
+            </a:r>
+          </a:p>
+          <a:p>
+            <a:r>
+              <a:rPr sz="1500">
+                <a:solidFill>
+                  <a:srgbClr val="FFFFFF"/>
+                </a:solidFill>
+                <a:latin typeface="Times New Roman"/>
+              </a:rPr>
+              <a:t>- Nausea or vomiting</a:t>
+            </a:r>
+          </a:p>
+          <a:p>
+            <a:r>
+              <a:rPr sz="1500">
+                <a:solidFill>
+                  <a:srgbClr val="FFFFFF"/>
+                </a:solidFill>
+                <a:latin typeface="Times New Roman"/>
+              </a:rPr>
+              <a:t>- Lightheadedness or dizziness</a:t>
+            </a:r>
+          </a:p>
+          <a:p/>
+          <a:p>
+            <a:r>
+              <a:rPr sz="1500">
+                <a:solidFill>
+                  <a:srgbClr val="FFFFFF"/>
+                </a:solidFill>
+                <a:latin typeface="Times New Roman"/>
+              </a:rPr>
+              <a:t>Prompt medical attention is crucial to minimize heart damage. Diagnosis involves a physical examination, electrocardiogram (ECG), and blood tests.</a:t>
+            </a:r>
+          </a:p>
+        </p:txBody>
+      </p:sp>
+      <p:sp>
+        <p:nvSpPr>
+          <p:cNvPr id="4" name="Text Placeholder 3"/>
+          <p:cNvSpPr>
+            <a:spLocks noGrp="1"/>
+          </p:cNvSpPr>
+          <p:nvPr>
+            <p:ph type="body" idx="2" sz="half"/>
+          </p:nvPr>
+        </p:nvSpPr>
+        <p:spPr/>
+        <p:txBody>
+          <a:bodyPr/>
+          <a:lstStyle/>
+          <a:p/>
         </p:txBody>
       </p:sp>
     </p:spTree>
@@ -6453,13 +6615,13 @@
           <a:lstStyle/>
           <a:p>
             <a:r>
-              <a:rPr sz="2400">
+              <a:rPr sz="2000">
                 <a:solidFill>
                   <a:srgbClr val="FFFFFF"/>
                 </a:solidFill>
                 <a:latin typeface="Times New Roman"/>
               </a:rPr>
-              <a:t>Treatment for a Heart Attack</a:t>
+              <a:t>Treatment and Management</a:t>
             </a:r>
           </a:p>
         </p:txBody>
@@ -6480,159 +6642,78 @@
           <a:lstStyle/>
           <a:p>
             <a:r>
-              <a:rPr sz="1800">
+              <a:rPr sz="1500">
                 <a:solidFill>
                   <a:srgbClr val="FFFFFF"/>
                 </a:solidFill>
                 <a:latin typeface="Times New Roman"/>
               </a:rPr>
-              <a:t>The goal of treatment for a heart attack is to restore blood flow to the heart muscle as quickly as possible. This can be done with medications, such as clot-busting drugs or aspirin, or with a procedure called angioplasty. Angioplasty is a procedure in which a thin tube is inserted into the blocked artery and a balloon is inflated to open the artery.</a:t>
-            </a:r>
-          </a:p>
-        </p:txBody>
-      </p:sp>
-    </p:spTree>
-  </p:cSld>
-  <p:clrMapOvr>
-    <a:masterClrMapping/>
-  </p:clrMapOvr>
-</p:sld>
-</file>
-
-<file path=ppt/slides/slide7.xml><?xml version="1.0" encoding="utf-8"?>
-<p:sld xmlns:a="http://schemas.openxmlformats.org/drawingml/2006/main" xmlns:p="http://schemas.openxmlformats.org/presentationml/2006/main" xmlns:r="http://schemas.openxmlformats.org/officeDocument/2006/relationships">
-  <p:cSld>
-    <p:spTree>
-      <p:nvGrpSpPr>
-        <p:cNvPr id="1" name=""/>
-        <p:cNvGrpSpPr/>
-        <p:nvPr/>
-      </p:nvGrpSpPr>
-      <p:grpSpPr/>
-      <p:sp>
-        <p:nvSpPr>
-          <p:cNvPr id="2" name="Title 1"/>
-          <p:cNvSpPr>
-            <a:spLocks noGrp="1"/>
-          </p:cNvSpPr>
-          <p:nvPr>
-            <p:ph type="title"/>
-          </p:nvPr>
-        </p:nvSpPr>
-        <p:spPr/>
-        <p:txBody>
-          <a:bodyPr/>
-          <a:lstStyle/>
-          <a:p>
-            <a:r>
-              <a:rPr sz="2400">
+              <a:t>Treatment for heart attacks focuses on restoring blood flow to the affected area and preventing further damage. This may involve: </a:t>
+            </a:r>
+          </a:p>
+          <a:p/>
+          <a:p>
+            <a:r>
+              <a:rPr sz="1500">
                 <a:solidFill>
                   <a:srgbClr val="FFFFFF"/>
                 </a:solidFill>
                 <a:latin typeface="Times New Roman"/>
               </a:rPr>
-              <a:t>Prevention of a Heart Attack</a:t>
-            </a:r>
-          </a:p>
-        </p:txBody>
-      </p:sp>
-      <p:sp>
-        <p:nvSpPr>
-          <p:cNvPr id="3" name="Content Placeholder 2"/>
-          <p:cNvSpPr>
-            <a:spLocks noGrp="1"/>
-          </p:cNvSpPr>
-          <p:nvPr>
-            <p:ph idx="1"/>
-          </p:nvPr>
-        </p:nvSpPr>
-        <p:spPr/>
-        <p:txBody>
-          <a:bodyPr/>
-          <a:lstStyle/>
-          <a:p>
-            <a:r>
-              <a:rPr sz="1800">
+              <a:t>- Medications to dissolve clots and improve blood flow</a:t>
+            </a:r>
+          </a:p>
+          <a:p>
+            <a:r>
+              <a:rPr sz="1500">
                 <a:solidFill>
                   <a:srgbClr val="FFFFFF"/>
                 </a:solidFill>
                 <a:latin typeface="Times New Roman"/>
               </a:rPr>
-              <a:t>There are a number of things you can do to prevent a heart attack, including:</a:t>
-            </a:r>
-          </a:p>
-        </p:txBody>
-      </p:sp>
-    </p:spTree>
-  </p:cSld>
-  <p:clrMapOvr>
-    <a:masterClrMapping/>
-  </p:clrMapOvr>
-</p:sld>
-</file>
-
-<file path=ppt/slides/slide8.xml><?xml version="1.0" encoding="utf-8"?>
-<p:sld xmlns:a="http://schemas.openxmlformats.org/drawingml/2006/main" xmlns:p="http://schemas.openxmlformats.org/presentationml/2006/main" xmlns:r="http://schemas.openxmlformats.org/officeDocument/2006/relationships">
-  <p:cSld>
-    <p:spTree>
-      <p:nvGrpSpPr>
-        <p:cNvPr id="1" name=""/>
-        <p:cNvGrpSpPr/>
-        <p:nvPr/>
-      </p:nvGrpSpPr>
-      <p:grpSpPr/>
-      <p:sp>
-        <p:nvSpPr>
-          <p:cNvPr id="2" name="Title 1"/>
-          <p:cNvSpPr>
-            <a:spLocks noGrp="1"/>
-          </p:cNvSpPr>
-          <p:nvPr>
-            <p:ph type="title"/>
-          </p:nvPr>
-        </p:nvSpPr>
-        <p:spPr/>
-        <p:txBody>
-          <a:bodyPr/>
-          <a:lstStyle/>
-          <a:p>
-            <a:r>
-              <a:rPr sz="2400">
+              <a:t>- Angioplasty and stenting to open blocked arteries</a:t>
+            </a:r>
+          </a:p>
+          <a:p>
+            <a:r>
+              <a:rPr sz="1500">
                 <a:solidFill>
                   <a:srgbClr val="FFFFFF"/>
                 </a:solidFill>
                 <a:latin typeface="Times New Roman"/>
               </a:rPr>
-              <a:t>Young Age Heart Attacks</a:t>
-            </a:r>
-          </a:p>
-        </p:txBody>
-      </p:sp>
-      <p:sp>
-        <p:nvSpPr>
-          <p:cNvPr id="3" name="Content Placeholder 2"/>
-          <p:cNvSpPr>
-            <a:spLocks noGrp="1"/>
-          </p:cNvSpPr>
-          <p:nvPr>
-            <p:ph idx="1"/>
-          </p:nvPr>
-        </p:nvSpPr>
-        <p:spPr/>
-        <p:txBody>
-          <a:bodyPr/>
-          <a:lstStyle/>
-          <a:p>
-            <a:r>
-              <a:rPr sz="1800">
+              <a:t>- Surgery (coronary artery bypass grafting) in severe cases</a:t>
+            </a:r>
+          </a:p>
+          <a:p/>
+          <a:p>
+            <a:r>
+              <a:rPr sz="1500">
                 <a:solidFill>
                   <a:srgbClr val="FFFFFF"/>
                 </a:solidFill>
                 <a:latin typeface="Times New Roman"/>
               </a:rPr>
-              <a:t>Heart attacks in young people are relatively rare, but they do occur. The risk of a heart attack in young people is increased by certain factors, such as:</a:t>
-            </a:r>
-          </a:p>
+              <a:t>Following a heart attack, lifestyle modifications, medications, and regular medical check-ups are essential for long-term management and recovery.</a:t>
+            </a:r>
+          </a:p>
+        </p:txBody>
+      </p:sp>
+      <p:sp>
+        <p:nvSpPr>
+          <p:cNvPr id="4" name="Text Placeholder 3"/>
+          <p:cNvSpPr>
+            <a:spLocks noGrp="1"/>
+          </p:cNvSpPr>
+          <p:nvPr>
+            <p:ph type="body" idx="2" sz="half"/>
+          </p:nvPr>
+        </p:nvSpPr>
+        <p:spPr/>
+        <p:txBody>
+          <a:bodyPr/>
+          <a:lstStyle/>
+          <a:p/>
         </p:txBody>
       </p:sp>
     </p:spTree>
@@ -6644,9 +6725,9 @@
 </file>
 
 <file path=ppt/theme/theme1.xml><?xml version="1.0" encoding="utf-8"?>
-<a:theme xmlns:a="http://schemas.openxmlformats.org/drawingml/2006/main" name="Ion">
+<a:theme xmlns:a="http://schemas.openxmlformats.org/drawingml/2006/main" name="Slate">
   <a:themeElements>
-    <a:clrScheme name="Ion">
+    <a:clrScheme name="Slate">
       <a:dk1>
         <a:sysClr val="windowText" lastClr="000000"/>
       </a:dk1>
@@ -6654,52 +6735,52 @@
         <a:sysClr val="window" lastClr="FFFFFF"/>
       </a:lt1>
       <a:dk2>
-        <a:srgbClr val="1E5155"/>
+        <a:srgbClr val="212123"/>
       </a:dk2>
       <a:lt2>
-        <a:srgbClr val="EBEBEB"/>
+        <a:srgbClr val="DADADA"/>
       </a:lt2>
       <a:accent1>
-        <a:srgbClr val="B01513"/>
+        <a:srgbClr val="BC451B"/>
       </a:accent1>
       <a:accent2>
-        <a:srgbClr val="EA6312"/>
+        <a:srgbClr val="D3BA68"/>
       </a:accent2>
       <a:accent3>
-        <a:srgbClr val="E6B729"/>
+        <a:srgbClr val="BB8640"/>
       </a:accent3>
       <a:accent4>
-        <a:srgbClr val="6AAC90"/>
+        <a:srgbClr val="AD9277"/>
       </a:accent4>
       <a:accent5>
-        <a:srgbClr val="54849A"/>
+        <a:srgbClr val="A55A43"/>
       </a:accent5>
       <a:accent6>
-        <a:srgbClr val="9E5E9B"/>
+        <a:srgbClr val="AD9D7B"/>
       </a:accent6>
       <a:hlink>
-        <a:srgbClr val="58C1BA"/>
+        <a:srgbClr val="E98052"/>
       </a:hlink>
       <a:folHlink>
-        <a:srgbClr val="9DFFCB"/>
+        <a:srgbClr val="F4B69B"/>
       </a:folHlink>
     </a:clrScheme>
-    <a:fontScheme name="Ion">
+    <a:fontScheme name="Slate">
       <a:majorFont>
-        <a:latin typeface="Century Gothic" panose="020B0502020202020204"/>
+        <a:latin typeface="Calisto MT" panose="02040603050505030304"/>
         <a:ea typeface=""/>
         <a:cs typeface=""/>
-        <a:font script="Jpan" typeface="メイリオ"/>
-        <a:font script="Hang" typeface="맑은 고딕"/>
-        <a:font script="Hans" typeface="宋体"/>
-        <a:font script="Hant" typeface="新細明體"/>
-        <a:font script="Arab" typeface="Times New Roman"/>
-        <a:font script="Hebr" typeface="Times New Roman"/>
-        <a:font script="Thai" typeface="Angsana New"/>
+        <a:font script="Jpan" typeface="ＭＳ Ｐゴシック"/>
+        <a:font script="Hang" typeface="돋움"/>
+        <a:font script="Hans" typeface="方正舒体"/>
+        <a:font script="Hant" typeface="微軟正黑體"/>
+        <a:font script="Arab" typeface="Arial"/>
+        <a:font script="Hebr" typeface="Arial"/>
+        <a:font script="Thai" typeface="Cordia New"/>
         <a:font script="Ethi" typeface="Nyala"/>
         <a:font script="Beng" typeface="Vrinda"/>
         <a:font script="Gujr" typeface="Shruti"/>
-        <a:font script="Khmr" typeface="MoolBoran"/>
+        <a:font script="Khmr" typeface="DaunPenh"/>
         <a:font script="Knda" typeface="Tunga"/>
         <a:font script="Guru" typeface="Raavi"/>
         <a:font script="Cans" typeface="Euphemia"/>
@@ -6716,18 +6797,18 @@
         <a:font script="Laoo" typeface="DokChampa"/>
         <a:font script="Sinh" typeface="Iskoola Pota"/>
         <a:font script="Mong" typeface="Mongolian Baiti"/>
-        <a:font script="Viet" typeface="Times New Roman"/>
+        <a:font script="Viet" typeface="Arial"/>
         <a:font script="Uigh" typeface="Microsoft Uighur"/>
         <a:font script="Geor" typeface="Sylfaen"/>
       </a:majorFont>
       <a:minorFont>
-        <a:latin typeface="Century Gothic" panose="020B0502020202020204"/>
+        <a:latin typeface="Calisto MT" panose="02040603050505030304"/>
         <a:ea typeface=""/>
         <a:cs typeface=""/>
-        <a:font script="Jpan" typeface="メイリオ"/>
-        <a:font script="Hang" typeface="맑은 고딕"/>
-        <a:font script="Hans" typeface="宋体"/>
-        <a:font script="Hant" typeface="新細明體"/>
+        <a:font script="Jpan" typeface="ＭＳ Ｐゴシック"/>
+        <a:font script="Hang" typeface="돋움"/>
+        <a:font script="Hans" typeface="方正舒体"/>
+        <a:font script="Hant" typeface="微軟正黑體"/>
         <a:font script="Arab" typeface="Arial"/>
         <a:font script="Hebr" typeface="Arial"/>
         <a:font script="Thai" typeface="Cordia New"/>
@@ -6756,7 +6837,7 @@
         <a:font script="Geor" typeface="Sylfaen"/>
       </a:minorFont>
     </a:fontScheme>
-    <a:fmtScheme name="Ion">
+    <a:fmtScheme name="Slate">
       <a:fillStyleLst>
         <a:solidFill>
           <a:schemeClr val="phClr"/>
@@ -6765,15 +6846,13 @@
           <a:gsLst>
             <a:gs pos="0">
               <a:schemeClr val="phClr">
-                <a:tint val="64000"/>
-                <a:lumMod val="118000"/>
+                <a:tint val="60000"/>
+                <a:lumMod val="110000"/>
               </a:schemeClr>
             </a:gs>
             <a:gs pos="100000">
               <a:schemeClr val="phClr">
-                <a:tint val="92000"/>
-                <a:alpha val="100000"/>
-                <a:lumMod val="110000"/>
+                <a:tint val="88000"/>
               </a:schemeClr>
             </a:gs>
           </a:gsLst>
@@ -6783,14 +6862,14 @@
           <a:gsLst>
             <a:gs pos="0">
               <a:schemeClr val="phClr">
-                <a:tint val="98000"/>
-                <a:lumMod val="114000"/>
+                <a:tint val="96000"/>
+                <a:lumMod val="104000"/>
               </a:schemeClr>
             </a:gs>
             <a:gs pos="100000">
               <a:schemeClr val="phClr">
                 <a:shade val="90000"/>
-                <a:lumMod val="84000"/>
+                <a:lumMod val="90000"/>
               </a:schemeClr>
             </a:gs>
           </a:gsLst>
@@ -6800,17 +6879,19 @@
       <a:lnStyleLst>
         <a:ln w="9525" cap="rnd" cmpd="sng" algn="ctr">
           <a:solidFill>
-            <a:schemeClr val="phClr"/>
+            <a:schemeClr val="phClr">
+              <a:shade val="90000"/>
+            </a:schemeClr>
           </a:solidFill>
           <a:prstDash val="solid"/>
         </a:ln>
-        <a:ln w="19050" cap="rnd" cmpd="sng" algn="ctr">
+        <a:ln w="15875" cap="rnd" cmpd="sng" algn="ctr">
           <a:solidFill>
             <a:schemeClr val="phClr"/>
           </a:solidFill>
           <a:prstDash val="solid"/>
         </a:ln>
-        <a:ln w="28575" cap="rnd" cmpd="sng" algn="ctr">
+        <a:ln w="25400" cap="rnd" cmpd="sng" algn="ctr">
           <a:solidFill>
             <a:schemeClr val="phClr"/>
           </a:solidFill>
@@ -6823,18 +6904,18 @@
         </a:effectStyle>
         <a:effectStyle>
           <a:effectLst>
-            <a:outerShdw blurRad="38100" dist="25400" dir="5400000" rotWithShape="0">
+            <a:outerShdw blurRad="63500" dist="25400" dir="5400000" rotWithShape="0">
               <a:srgbClr val="000000">
-                <a:alpha val="45000"/>
+                <a:alpha val="60000"/>
               </a:srgbClr>
             </a:outerShdw>
           </a:effectLst>
         </a:effectStyle>
         <a:effectStyle>
           <a:effectLst>
-            <a:outerShdw blurRad="63500" dist="38100" dir="5400000" rotWithShape="0">
+            <a:outerShdw blurRad="76200" dist="38100" dir="5400000" rotWithShape="0">
               <a:srgbClr val="000000">
-                <a:alpha val="60000"/>
+                <a:alpha val="75000"/>
               </a:srgbClr>
             </a:outerShdw>
           </a:effectLst>
@@ -6842,10 +6923,12 @@
             <a:camera prst="orthographicFront">
               <a:rot lat="0" lon="0" rev="0"/>
             </a:camera>
-            <a:lightRig rig="threePt" dir="tl"/>
+            <a:lightRig rig="threePt" dir="t">
+              <a:rot lat="0" lon="0" rev="1200000"/>
+            </a:lightRig>
           </a:scene3d>
-          <a:sp3d prstMaterial="plastic">
-            <a:bevelT w="0" h="0"/>
+          <a:sp3d>
+            <a:bevelT w="63500" h="25400" prst="hardEdge"/>
           </a:sp3d>
         </a:effectStyle>
       </a:effectStyleLst>
@@ -6853,44 +6936,18 @@
         <a:solidFill>
           <a:schemeClr val="phClr"/>
         </a:solidFill>
-        <a:gradFill rotWithShape="1">
-          <a:gsLst>
-            <a:gs pos="0">
-              <a:schemeClr val="phClr">
-                <a:tint val="97000"/>
-                <a:hueMod val="88000"/>
-                <a:satMod val="130000"/>
-                <a:lumMod val="124000"/>
-              </a:schemeClr>
-            </a:gs>
-            <a:gs pos="100000">
-              <a:schemeClr val="phClr">
-                <a:tint val="96000"/>
-                <a:shade val="88000"/>
-                <a:hueMod val="108000"/>
-                <a:satMod val="164000"/>
-                <a:lumMod val="76000"/>
-              </a:schemeClr>
-            </a:gs>
-          </a:gsLst>
-          <a:path path="circle">
-            <a:fillToRect l="45000" t="65000" r="125000" b="100000"/>
-          </a:path>
-        </a:gradFill>
+        <a:solidFill>
+          <a:schemeClr val="phClr"/>
+        </a:solidFill>
         <a:blipFill rotWithShape="1">
           <a:blip xmlns:r="http://schemas.openxmlformats.org/officeDocument/2006/relationships" r:embed="rId1">
             <a:duotone>
               <a:schemeClr val="phClr">
-                <a:shade val="69000"/>
-                <a:hueMod val="108000"/>
-                <a:satMod val="164000"/>
-                <a:lumMod val="74000"/>
+                <a:shade val="80000"/>
+                <a:lumMod val="80000"/>
               </a:schemeClr>
               <a:schemeClr val="phClr">
-                <a:tint val="96000"/>
-                <a:hueMod val="88000"/>
-                <a:satMod val="140000"/>
-                <a:lumMod val="132000"/>
+                <a:tint val="98000"/>
               </a:schemeClr>
             </a:duotone>
           </a:blip>
@@ -6903,7 +6960,7 @@
   <a:extraClrSchemeLst/>
   <a:extLst>
     <a:ext uri="{05A4C25C-085E-4340-85A3-A5531E510DB2}">
-      <thm15:themeFamily xmlns:thm15="http://schemas.microsoft.com/office/thememl/2012/main" name="Ion" id="{B8441ADB-2E43-4AF7-B97A-BD870242C6A8}" vid="{292E63A9-BB86-4E3D-B92A-7223C6510D2E}"/>
+      <thm15:themeFamily xmlns:thm15="http://schemas.microsoft.com/office/thememl/2012/main" name="Slate" id="{C3F70B94-7CE9-428E-ADC1-3269CC2C3385}" vid="{3F2DE9A5-64E6-437C-A389-CC4477E817E8}"/>
     </a:ext>
   </a:extLst>
 </a:theme>
